--- a/N1SPE.pptx
+++ b/N1SPE.pptx
@@ -14,24 +14,24 @@
     <p:sldId id="260" r:id="rId5"/>
     <p:sldId id="278" r:id="rId6"/>
     <p:sldId id="263" r:id="rId7"/>
-    <p:sldId id="262" r:id="rId8"/>
-    <p:sldId id="283" r:id="rId9"/>
+    <p:sldId id="283" r:id="rId8"/>
+    <p:sldId id="262" r:id="rId9"/>
     <p:sldId id="267" r:id="rId10"/>
     <p:sldId id="265" r:id="rId11"/>
     <p:sldId id="280" r:id="rId12"/>
     <p:sldId id="269" r:id="rId13"/>
-    <p:sldId id="281" r:id="rId14"/>
-    <p:sldId id="284" r:id="rId15"/>
-    <p:sldId id="285" r:id="rId16"/>
-    <p:sldId id="282" r:id="rId17"/>
-    <p:sldId id="279" r:id="rId18"/>
-    <p:sldId id="271" r:id="rId19"/>
-    <p:sldId id="272" r:id="rId20"/>
-    <p:sldId id="273" r:id="rId21"/>
-    <p:sldId id="274" r:id="rId22"/>
-    <p:sldId id="276" r:id="rId23"/>
-    <p:sldId id="277" r:id="rId24"/>
-    <p:sldId id="270" r:id="rId25"/>
+    <p:sldId id="270" r:id="rId14"/>
+    <p:sldId id="281" r:id="rId15"/>
+    <p:sldId id="284" r:id="rId16"/>
+    <p:sldId id="285" r:id="rId17"/>
+    <p:sldId id="282" r:id="rId18"/>
+    <p:sldId id="279" r:id="rId19"/>
+    <p:sldId id="271" r:id="rId20"/>
+    <p:sldId id="272" r:id="rId21"/>
+    <p:sldId id="273" r:id="rId22"/>
+    <p:sldId id="274" r:id="rId23"/>
+    <p:sldId id="276" r:id="rId24"/>
+    <p:sldId id="277" r:id="rId25"/>
     <p:sldId id="275" r:id="rId26"/>
     <p:sldId id="286" r:id="rId27"/>
   </p:sldIdLst>
@@ -234,7 +234,7 @@
             <a:fld id="{F56AEA39-9498-4FCA-B33C-4312124B84ED}" type="datetimeFigureOut">
               <a:rPr lang="fr-FR" smtClean="0"/>
               <a:pPr/>
-              <a:t>05/06/2022</a:t>
+              <a:t>12/06/2022</a:t>
             </a:fld>
             <a:endParaRPr lang="fr-FR"/>
           </a:p>
@@ -776,7 +776,7 @@
             <a:fld id="{6B6607F0-2372-40D2-9255-61C780155E2B}" type="datetime1">
               <a:rPr lang="en-US" smtClean="0"/>
               <a:pPr/>
-              <a:t>6/5/2022</a:t>
+              <a:t>6/12/2022</a:t>
             </a:fld>
             <a:endParaRPr lang="en-US" dirty="0"/>
           </a:p>
@@ -1111,7 +1111,7 @@
             <a:fld id="{62AE4DF1-A014-41C7-83FD-CEC8AD6D19E7}" type="datetime1">
               <a:rPr lang="en-US" smtClean="0"/>
               <a:pPr/>
-              <a:t>6/5/2022</a:t>
+              <a:t>6/12/2022</a:t>
             </a:fld>
             <a:endParaRPr lang="en-US" dirty="0"/>
           </a:p>
@@ -1509,7 +1509,7 @@
             <a:fld id="{DD5C5C09-23AE-42F4-9FF8-E9887FF5AB21}" type="datetime1">
               <a:rPr lang="en-US" smtClean="0"/>
               <a:pPr/>
-              <a:t>6/5/2022</a:t>
+              <a:t>6/12/2022</a:t>
             </a:fld>
             <a:endParaRPr lang="en-US" dirty="0"/>
           </a:p>
@@ -1842,7 +1842,7 @@
             <a:fld id="{FBA9A64C-4363-4D29-AF62-0AF078BF4DEB}" type="datetime1">
               <a:rPr lang="en-US" smtClean="0"/>
               <a:pPr/>
-              <a:t>6/5/2022</a:t>
+              <a:t>6/12/2022</a:t>
             </a:fld>
             <a:endParaRPr lang="en-US" dirty="0"/>
           </a:p>
@@ -2159,7 +2159,7 @@
             <a:fld id="{823AA076-EE84-4336-A3F4-132885F9F98A}" type="datetime1">
               <a:rPr lang="en-US" smtClean="0"/>
               <a:pPr/>
-              <a:t>6/5/2022</a:t>
+              <a:t>6/12/2022</a:t>
             </a:fld>
             <a:endParaRPr lang="en-US" dirty="0"/>
           </a:p>
@@ -2552,7 +2552,7 @@
             <a:fld id="{08CDE7AC-32EF-4147-B739-D24792018E30}" type="datetime1">
               <a:rPr lang="en-US" smtClean="0"/>
               <a:pPr/>
-              <a:t>6/5/2022</a:t>
+              <a:t>6/12/2022</a:t>
             </a:fld>
             <a:endParaRPr lang="en-US" dirty="0"/>
           </a:p>
@@ -2806,7 +2806,7 @@
             <a:fld id="{4FB0C1C4-C408-4323-9B58-95D9CB252497}" type="datetime1">
               <a:rPr lang="en-US" smtClean="0"/>
               <a:pPr/>
-              <a:t>6/5/2022</a:t>
+              <a:t>6/12/2022</a:t>
             </a:fld>
             <a:endParaRPr lang="en-US" dirty="0"/>
           </a:p>
@@ -3065,7 +3065,7 @@
             <a:fld id="{33A753D1-A681-455F-A087-29BE400C8828}" type="datetime1">
               <a:rPr lang="en-US" smtClean="0"/>
               <a:pPr/>
-              <a:t>6/5/2022</a:t>
+              <a:t>6/12/2022</a:t>
             </a:fld>
             <a:endParaRPr lang="en-US" dirty="0"/>
           </a:p>
@@ -3324,7 +3324,7 @@
             <a:fld id="{667A7B24-BF5D-4B93-B822-3F8E933A9370}" type="datetime1">
               <a:rPr lang="en-US" smtClean="0"/>
               <a:pPr/>
-              <a:t>6/5/2022</a:t>
+              <a:t>6/12/2022</a:t>
             </a:fld>
             <a:endParaRPr lang="en-US" dirty="0"/>
           </a:p>
@@ -3650,7 +3650,7 @@
             <a:fld id="{1FACF992-E665-4C99-81E7-25F1C78B7D4C}" type="datetime1">
               <a:rPr lang="en-US" smtClean="0"/>
               <a:pPr/>
-              <a:t>6/5/2022</a:t>
+              <a:t>6/12/2022</a:t>
             </a:fld>
             <a:endParaRPr lang="en-US" dirty="0"/>
           </a:p>
@@ -3970,7 +3970,7 @@
             <a:fld id="{61411115-743C-4335-AEB6-57B14653E396}" type="datetime1">
               <a:rPr lang="en-US" smtClean="0"/>
               <a:pPr/>
-              <a:t>6/5/2022</a:t>
+              <a:t>6/12/2022</a:t>
             </a:fld>
             <a:endParaRPr lang="en-US" dirty="0"/>
           </a:p>
@@ -4424,7 +4424,7 @@
             <a:fld id="{1019BFC1-A3BC-41B2-8676-187CA29F2787}" type="datetime1">
               <a:rPr lang="en-US" smtClean="0"/>
               <a:pPr/>
-              <a:t>6/5/2022</a:t>
+              <a:t>6/12/2022</a:t>
             </a:fld>
             <a:endParaRPr lang="en-US" dirty="0"/>
           </a:p>
@@ -4626,7 +4626,7 @@
             <a:fld id="{2D4FD715-157B-4FB4-BC8A-8D496A32A594}" type="datetime1">
               <a:rPr lang="en-US" smtClean="0"/>
               <a:pPr/>
-              <a:t>6/5/2022</a:t>
+              <a:t>6/12/2022</a:t>
             </a:fld>
             <a:endParaRPr lang="en-US" dirty="0"/>
           </a:p>
@@ -4800,7 +4800,7 @@
             <a:fld id="{1B17ACFB-D0C9-462B-A9FD-3385E1BEB218}" type="datetime1">
               <a:rPr lang="en-US" smtClean="0"/>
               <a:pPr/>
-              <a:t>6/5/2022</a:t>
+              <a:t>6/12/2022</a:t>
             </a:fld>
             <a:endParaRPr lang="en-US" dirty="0"/>
           </a:p>
@@ -5130,7 +5130,7 @@
             <a:fld id="{1F2D63D7-F1B3-4C1F-AD43-1933E6DB83D4}" type="datetime1">
               <a:rPr lang="en-US" smtClean="0"/>
               <a:pPr/>
-              <a:t>6/5/2022</a:t>
+              <a:t>6/12/2022</a:t>
             </a:fld>
             <a:endParaRPr lang="en-US" dirty="0"/>
           </a:p>
@@ -5472,7 +5472,7 @@
             <a:fld id="{1C787478-02B5-46C1-B3E1-A172458226B2}" type="datetime1">
               <a:rPr lang="en-US" smtClean="0"/>
               <a:pPr/>
-              <a:t>6/5/2022</a:t>
+              <a:t>6/12/2022</a:t>
             </a:fld>
             <a:endParaRPr lang="en-US" dirty="0"/>
           </a:p>
@@ -7586,7 +7586,7 @@
             <a:fld id="{566BAA2A-DD73-4939-9BB2-411A9375FFB5}" type="datetime1">
               <a:rPr lang="en-US" smtClean="0"/>
               <a:pPr/>
-              <a:t>6/5/2022</a:t>
+              <a:t>6/12/2022</a:t>
             </a:fld>
             <a:endParaRPr lang="en-US" dirty="0"/>
           </a:p>
@@ -8236,7 +8236,7 @@
           <a:p>
             <a:r>
               <a:rPr lang="fr-FR" dirty="0"/>
-              <a:t>3.4 – Planification dans l’année</a:t>
+              <a:t>3.5 – Planification dans l’année</a:t>
             </a:r>
           </a:p>
         </p:txBody>
@@ -8365,7 +8365,7 @@
           <a:p>
             <a:r>
               <a:rPr lang="fr-FR" dirty="0"/>
-              <a:t>3.5 – Synthèse – structuration des connaissances</a:t>
+              <a:t>3.6 – Synthèse – structuration des connaissances</a:t>
             </a:r>
           </a:p>
         </p:txBody>
@@ -8516,7 +8516,7 @@
           <a:p>
             <a:r>
               <a:rPr lang="fr-FR" dirty="0"/>
-              <a:t>3.6 - Evaluations</a:t>
+              <a:t>3.7 - Evaluations</a:t>
             </a:r>
           </a:p>
         </p:txBody>
@@ -8744,16 +8744,18 @@
         <p:spPr>
           <a:xfrm>
             <a:off x="2592924" y="624110"/>
-            <a:ext cx="8911687" cy="668096"/>
-          </a:xfrm>
-        </p:spPr>
-        <p:txBody>
-          <a:bodyPr/>
-          <a:lstStyle/>
-          <a:p>
-            <a:r>
-              <a:rPr lang="fr-FR" dirty="0"/>
-              <a:t>3.7 – Organisation de la séquence</a:t>
+            <a:ext cx="9223095" cy="668096"/>
+          </a:xfrm>
+        </p:spPr>
+        <p:txBody>
+          <a:bodyPr>
+            <a:normAutofit/>
+          </a:bodyPr>
+          <a:lstStyle/>
+          <a:p>
+            <a:r>
+              <a:rPr lang="fr-FR" dirty="0"/>
+              <a:t>3.8 - Remédiation</a:t>
             </a:r>
           </a:p>
         </p:txBody>
@@ -8790,8 +8792,8 @@
         </p:nvSpPr>
         <p:spPr>
           <a:xfrm>
-            <a:off x="2592924" y="1518700"/>
-            <a:ext cx="8037778" cy="2031325"/>
+            <a:off x="3088153" y="1960211"/>
+            <a:ext cx="8730275" cy="2308324"/>
           </a:xfrm>
           <a:prstGeom prst="rect">
             <a:avLst/>
@@ -8806,13 +8808,21 @@
           <a:p>
             <a:r>
               <a:rPr lang="fr-FR" dirty="0"/>
-              <a:t>Rappeler le nombre de séances et leurs durées</a:t>
-            </a:r>
-          </a:p>
-          <a:p>
-            <a:r>
-              <a:rPr lang="fr-FR" dirty="0"/>
-              <a:t>Classe entière ou demi-groupe</a:t>
+              <a:t>Plus faibles : Activités complémentaire avec aide enseignant</a:t>
+            </a:r>
+          </a:p>
+          <a:p>
+            <a:r>
+              <a:rPr lang="fr-FR" dirty="0"/>
+              <a:t>Plus forts : Travail en autonomie (carte heuristique, préparer un quizz </a:t>
+            </a:r>
+            <a:r>
+              <a:rPr lang="fr-FR" dirty="0" err="1"/>
+              <a:t>plickers</a:t>
+            </a:r>
+            <a:r>
+              <a:rPr lang="fr-FR" dirty="0"/>
+              <a:t>)</a:t>
             </a:r>
           </a:p>
           <a:p>
@@ -8820,583 +8830,69 @@
           </a:p>
           <a:p>
             <a:r>
-              <a:rPr lang="fr-FR" dirty="0"/>
-              <a:t>Inductive : démarche de projet, investigation,  résolution de problème</a:t>
-            </a:r>
-          </a:p>
-          <a:p>
-            <a:r>
-              <a:rPr lang="fr-FR" dirty="0"/>
-              <a:t>Déductive : plus rapide mais cours doit être dynamique</a:t>
-            </a:r>
-          </a:p>
-          <a:p>
-            <a:r>
-              <a:rPr lang="fr-FR" dirty="0"/>
-              <a:t>Projet : ne pas les oublier (1STI2D (36h), TSTI2D (72h), 1SI (12h), TSI(48h) </a:t>
-            </a:r>
-          </a:p>
-          <a:p>
-            <a:r>
-              <a:rPr lang="fr-FR" dirty="0"/>
-              <a:t>JUSTIFIER</a:t>
-            </a:r>
-          </a:p>
-        </p:txBody>
-      </p:sp>
-      <p:sp>
-        <p:nvSpPr>
-          <p:cNvPr id="6" name="ZoneTexte 5"/>
-          <p:cNvSpPr txBox="1"/>
-          <p:nvPr/>
-        </p:nvSpPr>
-        <p:spPr>
-          <a:xfrm>
-            <a:off x="2521206" y="3591853"/>
-            <a:ext cx="6465231" cy="369332"/>
-          </a:xfrm>
-          <a:prstGeom prst="rect">
-            <a:avLst/>
-          </a:prstGeom>
-          <a:noFill/>
-        </p:spPr>
-        <p:txBody>
-          <a:bodyPr wrap="none" rtlCol="0">
-            <a:spAutoFit/>
-          </a:bodyPr>
-          <a:lstStyle/>
-          <a:p>
-            <a:r>
-              <a:rPr lang="fr-FR" b="1" u="sng" dirty="0"/>
-              <a:t>Ex GEII</a:t>
-            </a:r>
-            <a:r>
-              <a:rPr lang="fr-FR" b="1" dirty="0"/>
-              <a:t> (CM=6h (4x1,5h)  TD=14h (4x3,5h) TP=10h(4x2,5h)</a:t>
-            </a:r>
-          </a:p>
-        </p:txBody>
-      </p:sp>
-      <p:sp>
-        <p:nvSpPr>
-          <p:cNvPr id="4" name="Rectangle à coins arrondis 3"/>
-          <p:cNvSpPr/>
-          <p:nvPr/>
-        </p:nvSpPr>
-        <p:spPr>
-          <a:xfrm>
-            <a:off x="2592924" y="4003013"/>
-            <a:ext cx="1326776" cy="439270"/>
-          </a:xfrm>
-          <a:prstGeom prst="roundRect">
-            <a:avLst/>
-          </a:prstGeom>
-        </p:spPr>
-        <p:style>
-          <a:lnRef idx="2">
-            <a:schemeClr val="accent1">
-              <a:shade val="50000"/>
-            </a:schemeClr>
-          </a:lnRef>
-          <a:fillRef idx="1">
-            <a:schemeClr val="accent1"/>
-          </a:fillRef>
-          <a:effectRef idx="0">
-            <a:schemeClr val="accent1"/>
-          </a:effectRef>
-          <a:fontRef idx="minor">
-            <a:schemeClr val="lt1"/>
-          </a:fontRef>
-        </p:style>
-        <p:txBody>
-          <a:bodyPr rtlCol="0" anchor="ctr"/>
-          <a:lstStyle/>
-          <a:p>
-            <a:pPr algn="ctr"/>
-            <a:r>
-              <a:rPr lang="fr-FR" dirty="0"/>
-              <a:t>CM (1,5h)</a:t>
-            </a:r>
-          </a:p>
-        </p:txBody>
-      </p:sp>
-      <p:sp>
-        <p:nvSpPr>
-          <p:cNvPr id="7" name="Rectangle à coins arrondis 6"/>
-          <p:cNvSpPr/>
-          <p:nvPr/>
-        </p:nvSpPr>
-        <p:spPr>
-          <a:xfrm>
-            <a:off x="4081065" y="4003013"/>
-            <a:ext cx="1326776" cy="439270"/>
-          </a:xfrm>
-          <a:prstGeom prst="roundRect">
-            <a:avLst/>
-          </a:prstGeom>
-        </p:spPr>
-        <p:style>
-          <a:lnRef idx="2">
-            <a:schemeClr val="accent1">
-              <a:shade val="50000"/>
-            </a:schemeClr>
-          </a:lnRef>
-          <a:fillRef idx="1">
-            <a:schemeClr val="accent1"/>
-          </a:fillRef>
-          <a:effectRef idx="0">
-            <a:schemeClr val="accent1"/>
-          </a:effectRef>
-          <a:fontRef idx="minor">
-            <a:schemeClr val="lt1"/>
-          </a:fontRef>
-        </p:style>
-        <p:txBody>
-          <a:bodyPr rtlCol="0" anchor="ctr"/>
-          <a:lstStyle/>
-          <a:p>
-            <a:pPr algn="ctr"/>
-            <a:r>
-              <a:rPr lang="fr-FR" dirty="0"/>
-              <a:t>TD1 (2h)  </a:t>
-            </a:r>
-          </a:p>
-        </p:txBody>
-      </p:sp>
-      <p:sp>
-        <p:nvSpPr>
-          <p:cNvPr id="8" name="Rectangle à coins arrondis 7"/>
-          <p:cNvSpPr/>
-          <p:nvPr/>
-        </p:nvSpPr>
-        <p:spPr>
-          <a:xfrm>
-            <a:off x="5589643" y="4003013"/>
-            <a:ext cx="1326776" cy="439270"/>
-          </a:xfrm>
-          <a:prstGeom prst="roundRect">
-            <a:avLst/>
-          </a:prstGeom>
-        </p:spPr>
-        <p:style>
-          <a:lnRef idx="2">
-            <a:schemeClr val="accent1">
-              <a:shade val="50000"/>
-            </a:schemeClr>
-          </a:lnRef>
-          <a:fillRef idx="1">
-            <a:schemeClr val="accent1"/>
-          </a:fillRef>
-          <a:effectRef idx="0">
-            <a:schemeClr val="accent1"/>
-          </a:effectRef>
-          <a:fontRef idx="minor">
-            <a:schemeClr val="lt1"/>
-          </a:fontRef>
-        </p:style>
-        <p:txBody>
-          <a:bodyPr rtlCol="0" anchor="ctr"/>
-          <a:lstStyle/>
-          <a:p>
-            <a:pPr algn="ctr"/>
-            <a:r>
-              <a:rPr lang="fr-FR" dirty="0"/>
-              <a:t>TD2 (1,5h)  </a:t>
-            </a:r>
-          </a:p>
-        </p:txBody>
-      </p:sp>
-      <p:sp>
-        <p:nvSpPr>
-          <p:cNvPr id="9" name="Rectangle à coins arrondis 8"/>
-          <p:cNvSpPr/>
-          <p:nvPr/>
-        </p:nvSpPr>
-        <p:spPr>
-          <a:xfrm>
-            <a:off x="7053398" y="4003013"/>
-            <a:ext cx="1326776" cy="439270"/>
-          </a:xfrm>
-          <a:prstGeom prst="roundRect">
-            <a:avLst/>
-          </a:prstGeom>
-        </p:spPr>
-        <p:style>
-          <a:lnRef idx="2">
-            <a:schemeClr val="accent1">
-              <a:shade val="50000"/>
-            </a:schemeClr>
-          </a:lnRef>
-          <a:fillRef idx="1">
-            <a:schemeClr val="accent1"/>
-          </a:fillRef>
-          <a:effectRef idx="0">
-            <a:schemeClr val="accent1"/>
-          </a:effectRef>
-          <a:fontRef idx="minor">
-            <a:schemeClr val="lt1"/>
-          </a:fontRef>
-        </p:style>
-        <p:txBody>
-          <a:bodyPr rtlCol="0" anchor="ctr"/>
-          <a:lstStyle/>
-          <a:p>
-            <a:pPr algn="ctr"/>
-            <a:r>
-              <a:rPr lang="fr-FR" dirty="0"/>
-              <a:t>TP (2,5h)  </a:t>
-            </a:r>
-          </a:p>
-        </p:txBody>
-      </p:sp>
-      <p:sp>
-        <p:nvSpPr>
-          <p:cNvPr id="10" name="Rectangle à coins arrondis 9"/>
-          <p:cNvSpPr/>
-          <p:nvPr/>
-        </p:nvSpPr>
-        <p:spPr>
-          <a:xfrm>
-            <a:off x="2592924" y="4539934"/>
-            <a:ext cx="1326776" cy="439270"/>
-          </a:xfrm>
-          <a:prstGeom prst="roundRect">
-            <a:avLst/>
-          </a:prstGeom>
-        </p:spPr>
-        <p:style>
-          <a:lnRef idx="2">
-            <a:schemeClr val="accent1">
-              <a:shade val="50000"/>
-            </a:schemeClr>
-          </a:lnRef>
-          <a:fillRef idx="1">
-            <a:schemeClr val="accent1"/>
-          </a:fillRef>
-          <a:effectRef idx="0">
-            <a:schemeClr val="accent1"/>
-          </a:effectRef>
-          <a:fontRef idx="minor">
-            <a:schemeClr val="lt1"/>
-          </a:fontRef>
-        </p:style>
-        <p:txBody>
-          <a:bodyPr rtlCol="0" anchor="ctr"/>
-          <a:lstStyle/>
-          <a:p>
-            <a:pPr algn="ctr"/>
-            <a:r>
-              <a:rPr lang="fr-FR" dirty="0"/>
-              <a:t>CM (1,5h)</a:t>
-            </a:r>
-          </a:p>
-        </p:txBody>
-      </p:sp>
-      <p:sp>
-        <p:nvSpPr>
-          <p:cNvPr id="11" name="Rectangle à coins arrondis 10"/>
-          <p:cNvSpPr/>
-          <p:nvPr/>
-        </p:nvSpPr>
-        <p:spPr>
-          <a:xfrm>
-            <a:off x="4081065" y="4539934"/>
-            <a:ext cx="1326776" cy="439270"/>
-          </a:xfrm>
-          <a:prstGeom prst="roundRect">
-            <a:avLst/>
-          </a:prstGeom>
-        </p:spPr>
-        <p:style>
-          <a:lnRef idx="2">
-            <a:schemeClr val="accent1">
-              <a:shade val="50000"/>
-            </a:schemeClr>
-          </a:lnRef>
-          <a:fillRef idx="1">
-            <a:schemeClr val="accent1"/>
-          </a:fillRef>
-          <a:effectRef idx="0">
-            <a:schemeClr val="accent1"/>
-          </a:effectRef>
-          <a:fontRef idx="minor">
-            <a:schemeClr val="lt1"/>
-          </a:fontRef>
-        </p:style>
-        <p:txBody>
-          <a:bodyPr rtlCol="0" anchor="ctr"/>
-          <a:lstStyle/>
-          <a:p>
-            <a:pPr algn="ctr"/>
-            <a:r>
-              <a:rPr lang="fr-FR" dirty="0"/>
-              <a:t>TD1 (2h)  </a:t>
-            </a:r>
-          </a:p>
-        </p:txBody>
-      </p:sp>
-      <p:sp>
-        <p:nvSpPr>
-          <p:cNvPr id="12" name="Rectangle à coins arrondis 11"/>
-          <p:cNvSpPr/>
-          <p:nvPr/>
-        </p:nvSpPr>
-        <p:spPr>
-          <a:xfrm>
-            <a:off x="5589643" y="4539934"/>
-            <a:ext cx="1326776" cy="439270"/>
-          </a:xfrm>
-          <a:prstGeom prst="roundRect">
-            <a:avLst/>
-          </a:prstGeom>
-        </p:spPr>
-        <p:style>
-          <a:lnRef idx="2">
-            <a:schemeClr val="accent1">
-              <a:shade val="50000"/>
-            </a:schemeClr>
-          </a:lnRef>
-          <a:fillRef idx="1">
-            <a:schemeClr val="accent1"/>
-          </a:fillRef>
-          <a:effectRef idx="0">
-            <a:schemeClr val="accent1"/>
-          </a:effectRef>
-          <a:fontRef idx="minor">
-            <a:schemeClr val="lt1"/>
-          </a:fontRef>
-        </p:style>
-        <p:txBody>
-          <a:bodyPr rtlCol="0" anchor="ctr"/>
-          <a:lstStyle/>
-          <a:p>
-            <a:pPr algn="ctr"/>
-            <a:r>
-              <a:rPr lang="fr-FR" dirty="0"/>
-              <a:t>TD2 (1,5h)  </a:t>
-            </a:r>
-          </a:p>
-        </p:txBody>
-      </p:sp>
-      <p:sp>
-        <p:nvSpPr>
-          <p:cNvPr id="13" name="Rectangle à coins arrondis 12"/>
-          <p:cNvSpPr/>
-          <p:nvPr/>
-        </p:nvSpPr>
-        <p:spPr>
-          <a:xfrm>
-            <a:off x="7053398" y="4539934"/>
-            <a:ext cx="1326776" cy="439270"/>
-          </a:xfrm>
-          <a:prstGeom prst="roundRect">
-            <a:avLst/>
-          </a:prstGeom>
-        </p:spPr>
-        <p:style>
-          <a:lnRef idx="2">
-            <a:schemeClr val="accent1">
-              <a:shade val="50000"/>
-            </a:schemeClr>
-          </a:lnRef>
-          <a:fillRef idx="1">
-            <a:schemeClr val="accent1"/>
-          </a:fillRef>
-          <a:effectRef idx="0">
-            <a:schemeClr val="accent1"/>
-          </a:effectRef>
-          <a:fontRef idx="minor">
-            <a:schemeClr val="lt1"/>
-          </a:fontRef>
-        </p:style>
-        <p:txBody>
-          <a:bodyPr rtlCol="0" anchor="ctr"/>
-          <a:lstStyle/>
-          <a:p>
-            <a:pPr algn="ctr"/>
-            <a:r>
-              <a:rPr lang="fr-FR" dirty="0"/>
-              <a:t>TP (2,5h)  </a:t>
-            </a:r>
-          </a:p>
-        </p:txBody>
-      </p:sp>
-      <p:sp>
-        <p:nvSpPr>
-          <p:cNvPr id="14" name="Rectangle à coins arrondis 13"/>
-          <p:cNvSpPr/>
-          <p:nvPr/>
-        </p:nvSpPr>
-        <p:spPr>
-          <a:xfrm>
-            <a:off x="2592924" y="5076855"/>
-            <a:ext cx="1326776" cy="439270"/>
-          </a:xfrm>
-          <a:prstGeom prst="roundRect">
-            <a:avLst/>
-          </a:prstGeom>
-        </p:spPr>
-        <p:style>
-          <a:lnRef idx="2">
-            <a:schemeClr val="accent1">
-              <a:shade val="50000"/>
-            </a:schemeClr>
-          </a:lnRef>
-          <a:fillRef idx="1">
-            <a:schemeClr val="accent1"/>
-          </a:fillRef>
-          <a:effectRef idx="0">
-            <a:schemeClr val="accent1"/>
-          </a:effectRef>
-          <a:fontRef idx="minor">
-            <a:schemeClr val="lt1"/>
-          </a:fontRef>
-        </p:style>
-        <p:txBody>
-          <a:bodyPr rtlCol="0" anchor="ctr"/>
-          <a:lstStyle/>
-          <a:p>
-            <a:pPr algn="ctr"/>
-            <a:r>
-              <a:rPr lang="fr-FR" dirty="0"/>
-              <a:t>CM (1,5h)</a:t>
-            </a:r>
-          </a:p>
-        </p:txBody>
-      </p:sp>
-      <p:sp>
-        <p:nvSpPr>
-          <p:cNvPr id="15" name="Rectangle à coins arrondis 14"/>
-          <p:cNvSpPr/>
-          <p:nvPr/>
-        </p:nvSpPr>
-        <p:spPr>
-          <a:xfrm>
-            <a:off x="4081065" y="5076855"/>
-            <a:ext cx="1326776" cy="439270"/>
-          </a:xfrm>
-          <a:prstGeom prst="roundRect">
-            <a:avLst/>
-          </a:prstGeom>
-        </p:spPr>
-        <p:style>
-          <a:lnRef idx="2">
-            <a:schemeClr val="accent1">
-              <a:shade val="50000"/>
-            </a:schemeClr>
-          </a:lnRef>
-          <a:fillRef idx="1">
-            <a:schemeClr val="accent1"/>
-          </a:fillRef>
-          <a:effectRef idx="0">
-            <a:schemeClr val="accent1"/>
-          </a:effectRef>
-          <a:fontRef idx="minor">
-            <a:schemeClr val="lt1"/>
-          </a:fontRef>
-        </p:style>
-        <p:txBody>
-          <a:bodyPr rtlCol="0" anchor="ctr"/>
-          <a:lstStyle/>
-          <a:p>
-            <a:pPr algn="ctr"/>
-            <a:r>
-              <a:rPr lang="fr-FR" dirty="0"/>
-              <a:t>TD1 (2h)  </a:t>
-            </a:r>
-          </a:p>
-        </p:txBody>
-      </p:sp>
-      <p:sp>
-        <p:nvSpPr>
-          <p:cNvPr id="16" name="Rectangle à coins arrondis 15"/>
-          <p:cNvSpPr/>
-          <p:nvPr/>
-        </p:nvSpPr>
-        <p:spPr>
-          <a:xfrm>
-            <a:off x="5589643" y="5076855"/>
-            <a:ext cx="1326776" cy="439270"/>
-          </a:xfrm>
-          <a:prstGeom prst="roundRect">
-            <a:avLst/>
-          </a:prstGeom>
-        </p:spPr>
-        <p:style>
-          <a:lnRef idx="2">
-            <a:schemeClr val="accent1">
-              <a:shade val="50000"/>
-            </a:schemeClr>
-          </a:lnRef>
-          <a:fillRef idx="1">
-            <a:schemeClr val="accent1"/>
-          </a:fillRef>
-          <a:effectRef idx="0">
-            <a:schemeClr val="accent1"/>
-          </a:effectRef>
-          <a:fontRef idx="minor">
-            <a:schemeClr val="lt1"/>
-          </a:fontRef>
-        </p:style>
-        <p:txBody>
-          <a:bodyPr rtlCol="0" anchor="ctr"/>
-          <a:lstStyle/>
-          <a:p>
-            <a:pPr algn="ctr"/>
-            <a:r>
-              <a:rPr lang="fr-FR" dirty="0"/>
-              <a:t>TD2 (1,5h)  </a:t>
-            </a:r>
-          </a:p>
-        </p:txBody>
-      </p:sp>
-      <p:sp>
-        <p:nvSpPr>
-          <p:cNvPr id="17" name="Rectangle à coins arrondis 16"/>
-          <p:cNvSpPr/>
-          <p:nvPr/>
-        </p:nvSpPr>
-        <p:spPr>
-          <a:xfrm>
-            <a:off x="7053398" y="5076855"/>
-            <a:ext cx="1326776" cy="439270"/>
-          </a:xfrm>
-          <a:prstGeom prst="roundRect">
-            <a:avLst/>
-          </a:prstGeom>
-        </p:spPr>
-        <p:style>
-          <a:lnRef idx="2">
-            <a:schemeClr val="accent1">
-              <a:shade val="50000"/>
-            </a:schemeClr>
-          </a:lnRef>
-          <a:fillRef idx="1">
-            <a:schemeClr val="accent1"/>
-          </a:fillRef>
-          <a:effectRef idx="0">
-            <a:schemeClr val="accent1"/>
-          </a:effectRef>
-          <a:fontRef idx="minor">
-            <a:schemeClr val="lt1"/>
-          </a:fontRef>
-        </p:style>
-        <p:txBody>
-          <a:bodyPr rtlCol="0" anchor="ctr"/>
-          <a:lstStyle/>
-          <a:p>
-            <a:pPr algn="ctr"/>
-            <a:r>
-              <a:rPr lang="fr-FR" dirty="0"/>
-              <a:t>TP (2,5h)  </a:t>
-            </a:r>
+              <a:rPr lang="fr-FR" u="sng" dirty="0"/>
+              <a:t>Exemple de </a:t>
+            </a:r>
+            <a:r>
+              <a:rPr lang="fr-FR" u="sng" dirty="0" err="1"/>
+              <a:t>remédiation</a:t>
+            </a:r>
+            <a:r>
+              <a:rPr lang="fr-FR" u="sng" dirty="0"/>
+              <a:t> possible</a:t>
+            </a:r>
+          </a:p>
+          <a:p>
+            <a:pPr lvl="1">
+              <a:buFont typeface="Arial" pitchFamily="34" charset="0"/>
+              <a:buChar char="•"/>
+            </a:pPr>
+            <a:r>
+              <a:rPr lang="fr-FR" dirty="0"/>
+              <a:t>Rappels des points importants de la séquence</a:t>
+            </a:r>
+          </a:p>
+          <a:p>
+            <a:pPr lvl="1">
+              <a:buFont typeface="Arial" pitchFamily="34" charset="0"/>
+              <a:buChar char="•"/>
+            </a:pPr>
+            <a:r>
+              <a:rPr lang="fr-FR" dirty="0"/>
+              <a:t>Etablissement d’une fiche de synthèse par élèves. </a:t>
+            </a:r>
+          </a:p>
+          <a:p>
+            <a:pPr lvl="1">
+              <a:buFont typeface="Arial" pitchFamily="34" charset="0"/>
+              <a:buChar char="•"/>
+            </a:pPr>
+            <a:r>
+              <a:rPr lang="fr-FR" dirty="0"/>
+              <a:t>Brassage des fiches et distribution à l’ensemble de la classe</a:t>
+            </a:r>
+          </a:p>
+          <a:p>
+            <a:pPr lvl="1">
+              <a:buFont typeface="Arial" pitchFamily="34" charset="0"/>
+              <a:buChar char="•"/>
+            </a:pPr>
+            <a:r>
+              <a:rPr lang="fr-FR" dirty="0"/>
+              <a:t>QCM </a:t>
+            </a:r>
+            <a:r>
+              <a:rPr lang="fr-FR" dirty="0" err="1"/>
+              <a:t>Plickers</a:t>
+            </a:r>
+            <a:endParaRPr lang="fr-FR" dirty="0"/>
           </a:p>
         </p:txBody>
       </p:sp>
     </p:spTree>
     <p:extLst>
       <p:ext uri="{BB962C8B-B14F-4D97-AF65-F5344CB8AC3E}">
-        <p14:creationId xmlns:p14="http://schemas.microsoft.com/office/powerpoint/2010/main" val="970161856"/>
+        <p14:creationId xmlns:p14="http://schemas.microsoft.com/office/powerpoint/2010/main" val="2232806663"/>
       </p:ext>
     </p:extLst>
   </p:cSld>
@@ -9445,7 +8941,7 @@
           <a:p>
             <a:r>
               <a:rPr lang="fr-FR" dirty="0"/>
-              <a:t>3.7 – Organisation de la séquence</a:t>
+              <a:t>3.9 – Organisation de la séquence</a:t>
             </a:r>
           </a:p>
         </p:txBody>
@@ -9469,6 +8965,704 @@
               <a:rPr lang="en-US" smtClean="0"/>
               <a:pPr/>
               <a:t>14</a:t>
+            </a:fld>
+            <a:endParaRPr lang="en-US" dirty="0"/>
+          </a:p>
+        </p:txBody>
+      </p:sp>
+      <p:sp>
+        <p:nvSpPr>
+          <p:cNvPr id="5" name="ZoneTexte 4"/>
+          <p:cNvSpPr txBox="1"/>
+          <p:nvPr/>
+        </p:nvSpPr>
+        <p:spPr>
+          <a:xfrm>
+            <a:off x="2592924" y="1518700"/>
+            <a:ext cx="8037778" cy="2308324"/>
+          </a:xfrm>
+          <a:prstGeom prst="rect">
+            <a:avLst/>
+          </a:prstGeom>
+          <a:noFill/>
+        </p:spPr>
+        <p:txBody>
+          <a:bodyPr wrap="none" rtlCol="0">
+            <a:spAutoFit/>
+          </a:bodyPr>
+          <a:lstStyle/>
+          <a:p>
+            <a:r>
+              <a:rPr lang="fr-FR"/>
+              <a:t>Modalités pédagogiques</a:t>
+            </a:r>
+          </a:p>
+          <a:p>
+            <a:r>
+              <a:rPr lang="fr-FR" dirty="0"/>
+              <a:t>Rappeler le nombre de séances et leurs durées</a:t>
+            </a:r>
+          </a:p>
+          <a:p>
+            <a:r>
+              <a:rPr lang="fr-FR" dirty="0"/>
+              <a:t>Classe entière ou demi-groupe</a:t>
+            </a:r>
+          </a:p>
+          <a:p>
+            <a:endParaRPr lang="fr-FR" dirty="0"/>
+          </a:p>
+          <a:p>
+            <a:r>
+              <a:rPr lang="fr-FR" dirty="0"/>
+              <a:t>Inductive : démarche de projet, investigation,  résolution de problème</a:t>
+            </a:r>
+          </a:p>
+          <a:p>
+            <a:r>
+              <a:rPr lang="fr-FR" dirty="0"/>
+              <a:t>Déductive : plus rapide mais cours doit être dynamique</a:t>
+            </a:r>
+          </a:p>
+          <a:p>
+            <a:r>
+              <a:rPr lang="fr-FR" dirty="0"/>
+              <a:t>Projet : ne pas les oublier (1STI2D (36h), TSTI2D (72h), 1SI (12h), TSI(48h) </a:t>
+            </a:r>
+          </a:p>
+          <a:p>
+            <a:r>
+              <a:rPr lang="fr-FR" dirty="0"/>
+              <a:t>JUSTIFIER</a:t>
+            </a:r>
+          </a:p>
+        </p:txBody>
+      </p:sp>
+      <p:sp>
+        <p:nvSpPr>
+          <p:cNvPr id="6" name="ZoneTexte 5"/>
+          <p:cNvSpPr txBox="1"/>
+          <p:nvPr/>
+        </p:nvSpPr>
+        <p:spPr>
+          <a:xfrm>
+            <a:off x="2521206" y="3591853"/>
+            <a:ext cx="6465231" cy="369332"/>
+          </a:xfrm>
+          <a:prstGeom prst="rect">
+            <a:avLst/>
+          </a:prstGeom>
+          <a:noFill/>
+        </p:spPr>
+        <p:txBody>
+          <a:bodyPr wrap="none" rtlCol="0">
+            <a:spAutoFit/>
+          </a:bodyPr>
+          <a:lstStyle/>
+          <a:p>
+            <a:r>
+              <a:rPr lang="fr-FR" b="1" u="sng" dirty="0"/>
+              <a:t>Ex GEII</a:t>
+            </a:r>
+            <a:r>
+              <a:rPr lang="fr-FR" b="1" dirty="0"/>
+              <a:t> (CM=6h (4x1,5h)  TD=14h (4x3,5h) TP=10h(4x2,5h)</a:t>
+            </a:r>
+          </a:p>
+        </p:txBody>
+      </p:sp>
+      <p:sp>
+        <p:nvSpPr>
+          <p:cNvPr id="4" name="Rectangle à coins arrondis 3"/>
+          <p:cNvSpPr/>
+          <p:nvPr/>
+        </p:nvSpPr>
+        <p:spPr>
+          <a:xfrm>
+            <a:off x="2592924" y="4003013"/>
+            <a:ext cx="1326776" cy="439270"/>
+          </a:xfrm>
+          <a:prstGeom prst="roundRect">
+            <a:avLst/>
+          </a:prstGeom>
+        </p:spPr>
+        <p:style>
+          <a:lnRef idx="2">
+            <a:schemeClr val="accent1">
+              <a:shade val="50000"/>
+            </a:schemeClr>
+          </a:lnRef>
+          <a:fillRef idx="1">
+            <a:schemeClr val="accent1"/>
+          </a:fillRef>
+          <a:effectRef idx="0">
+            <a:schemeClr val="accent1"/>
+          </a:effectRef>
+          <a:fontRef idx="minor">
+            <a:schemeClr val="lt1"/>
+          </a:fontRef>
+        </p:style>
+        <p:txBody>
+          <a:bodyPr rtlCol="0" anchor="ctr"/>
+          <a:lstStyle/>
+          <a:p>
+            <a:pPr algn="ctr"/>
+            <a:r>
+              <a:rPr lang="fr-FR" dirty="0"/>
+              <a:t>CM (1,5h)</a:t>
+            </a:r>
+          </a:p>
+        </p:txBody>
+      </p:sp>
+      <p:sp>
+        <p:nvSpPr>
+          <p:cNvPr id="7" name="Rectangle à coins arrondis 6"/>
+          <p:cNvSpPr/>
+          <p:nvPr/>
+        </p:nvSpPr>
+        <p:spPr>
+          <a:xfrm>
+            <a:off x="4081065" y="4003013"/>
+            <a:ext cx="1326776" cy="439270"/>
+          </a:xfrm>
+          <a:prstGeom prst="roundRect">
+            <a:avLst/>
+          </a:prstGeom>
+        </p:spPr>
+        <p:style>
+          <a:lnRef idx="2">
+            <a:schemeClr val="accent1">
+              <a:shade val="50000"/>
+            </a:schemeClr>
+          </a:lnRef>
+          <a:fillRef idx="1">
+            <a:schemeClr val="accent1"/>
+          </a:fillRef>
+          <a:effectRef idx="0">
+            <a:schemeClr val="accent1"/>
+          </a:effectRef>
+          <a:fontRef idx="minor">
+            <a:schemeClr val="lt1"/>
+          </a:fontRef>
+        </p:style>
+        <p:txBody>
+          <a:bodyPr rtlCol="0" anchor="ctr"/>
+          <a:lstStyle/>
+          <a:p>
+            <a:pPr algn="ctr"/>
+            <a:r>
+              <a:rPr lang="fr-FR" dirty="0"/>
+              <a:t>TD1 (2h)  </a:t>
+            </a:r>
+          </a:p>
+        </p:txBody>
+      </p:sp>
+      <p:sp>
+        <p:nvSpPr>
+          <p:cNvPr id="8" name="Rectangle à coins arrondis 7"/>
+          <p:cNvSpPr/>
+          <p:nvPr/>
+        </p:nvSpPr>
+        <p:spPr>
+          <a:xfrm>
+            <a:off x="5589643" y="4003013"/>
+            <a:ext cx="1326776" cy="439270"/>
+          </a:xfrm>
+          <a:prstGeom prst="roundRect">
+            <a:avLst/>
+          </a:prstGeom>
+        </p:spPr>
+        <p:style>
+          <a:lnRef idx="2">
+            <a:schemeClr val="accent1">
+              <a:shade val="50000"/>
+            </a:schemeClr>
+          </a:lnRef>
+          <a:fillRef idx="1">
+            <a:schemeClr val="accent1"/>
+          </a:fillRef>
+          <a:effectRef idx="0">
+            <a:schemeClr val="accent1"/>
+          </a:effectRef>
+          <a:fontRef idx="minor">
+            <a:schemeClr val="lt1"/>
+          </a:fontRef>
+        </p:style>
+        <p:txBody>
+          <a:bodyPr rtlCol="0" anchor="ctr"/>
+          <a:lstStyle/>
+          <a:p>
+            <a:pPr algn="ctr"/>
+            <a:r>
+              <a:rPr lang="fr-FR" dirty="0"/>
+              <a:t>TD2 (1,5h)  </a:t>
+            </a:r>
+          </a:p>
+        </p:txBody>
+      </p:sp>
+      <p:sp>
+        <p:nvSpPr>
+          <p:cNvPr id="9" name="Rectangle à coins arrondis 8"/>
+          <p:cNvSpPr/>
+          <p:nvPr/>
+        </p:nvSpPr>
+        <p:spPr>
+          <a:xfrm>
+            <a:off x="7053398" y="4003013"/>
+            <a:ext cx="1326776" cy="439270"/>
+          </a:xfrm>
+          <a:prstGeom prst="roundRect">
+            <a:avLst/>
+          </a:prstGeom>
+        </p:spPr>
+        <p:style>
+          <a:lnRef idx="2">
+            <a:schemeClr val="accent1">
+              <a:shade val="50000"/>
+            </a:schemeClr>
+          </a:lnRef>
+          <a:fillRef idx="1">
+            <a:schemeClr val="accent1"/>
+          </a:fillRef>
+          <a:effectRef idx="0">
+            <a:schemeClr val="accent1"/>
+          </a:effectRef>
+          <a:fontRef idx="minor">
+            <a:schemeClr val="lt1"/>
+          </a:fontRef>
+        </p:style>
+        <p:txBody>
+          <a:bodyPr rtlCol="0" anchor="ctr"/>
+          <a:lstStyle/>
+          <a:p>
+            <a:pPr algn="ctr"/>
+            <a:r>
+              <a:rPr lang="fr-FR" dirty="0"/>
+              <a:t>TP (2,5h)  </a:t>
+            </a:r>
+          </a:p>
+        </p:txBody>
+      </p:sp>
+      <p:sp>
+        <p:nvSpPr>
+          <p:cNvPr id="10" name="Rectangle à coins arrondis 9"/>
+          <p:cNvSpPr/>
+          <p:nvPr/>
+        </p:nvSpPr>
+        <p:spPr>
+          <a:xfrm>
+            <a:off x="2592924" y="4539934"/>
+            <a:ext cx="1326776" cy="439270"/>
+          </a:xfrm>
+          <a:prstGeom prst="roundRect">
+            <a:avLst/>
+          </a:prstGeom>
+        </p:spPr>
+        <p:style>
+          <a:lnRef idx="2">
+            <a:schemeClr val="accent1">
+              <a:shade val="50000"/>
+            </a:schemeClr>
+          </a:lnRef>
+          <a:fillRef idx="1">
+            <a:schemeClr val="accent1"/>
+          </a:fillRef>
+          <a:effectRef idx="0">
+            <a:schemeClr val="accent1"/>
+          </a:effectRef>
+          <a:fontRef idx="minor">
+            <a:schemeClr val="lt1"/>
+          </a:fontRef>
+        </p:style>
+        <p:txBody>
+          <a:bodyPr rtlCol="0" anchor="ctr"/>
+          <a:lstStyle/>
+          <a:p>
+            <a:pPr algn="ctr"/>
+            <a:r>
+              <a:rPr lang="fr-FR" dirty="0"/>
+              <a:t>CM (1,5h)</a:t>
+            </a:r>
+          </a:p>
+        </p:txBody>
+      </p:sp>
+      <p:sp>
+        <p:nvSpPr>
+          <p:cNvPr id="11" name="Rectangle à coins arrondis 10"/>
+          <p:cNvSpPr/>
+          <p:nvPr/>
+        </p:nvSpPr>
+        <p:spPr>
+          <a:xfrm>
+            <a:off x="4081065" y="4539934"/>
+            <a:ext cx="1326776" cy="439270"/>
+          </a:xfrm>
+          <a:prstGeom prst="roundRect">
+            <a:avLst/>
+          </a:prstGeom>
+        </p:spPr>
+        <p:style>
+          <a:lnRef idx="2">
+            <a:schemeClr val="accent1">
+              <a:shade val="50000"/>
+            </a:schemeClr>
+          </a:lnRef>
+          <a:fillRef idx="1">
+            <a:schemeClr val="accent1"/>
+          </a:fillRef>
+          <a:effectRef idx="0">
+            <a:schemeClr val="accent1"/>
+          </a:effectRef>
+          <a:fontRef idx="minor">
+            <a:schemeClr val="lt1"/>
+          </a:fontRef>
+        </p:style>
+        <p:txBody>
+          <a:bodyPr rtlCol="0" anchor="ctr"/>
+          <a:lstStyle/>
+          <a:p>
+            <a:pPr algn="ctr"/>
+            <a:r>
+              <a:rPr lang="fr-FR" dirty="0"/>
+              <a:t>TD1 (2h)  </a:t>
+            </a:r>
+          </a:p>
+        </p:txBody>
+      </p:sp>
+      <p:sp>
+        <p:nvSpPr>
+          <p:cNvPr id="12" name="Rectangle à coins arrondis 11"/>
+          <p:cNvSpPr/>
+          <p:nvPr/>
+        </p:nvSpPr>
+        <p:spPr>
+          <a:xfrm>
+            <a:off x="5589643" y="4539934"/>
+            <a:ext cx="1326776" cy="439270"/>
+          </a:xfrm>
+          <a:prstGeom prst="roundRect">
+            <a:avLst/>
+          </a:prstGeom>
+        </p:spPr>
+        <p:style>
+          <a:lnRef idx="2">
+            <a:schemeClr val="accent1">
+              <a:shade val="50000"/>
+            </a:schemeClr>
+          </a:lnRef>
+          <a:fillRef idx="1">
+            <a:schemeClr val="accent1"/>
+          </a:fillRef>
+          <a:effectRef idx="0">
+            <a:schemeClr val="accent1"/>
+          </a:effectRef>
+          <a:fontRef idx="minor">
+            <a:schemeClr val="lt1"/>
+          </a:fontRef>
+        </p:style>
+        <p:txBody>
+          <a:bodyPr rtlCol="0" anchor="ctr"/>
+          <a:lstStyle/>
+          <a:p>
+            <a:pPr algn="ctr"/>
+            <a:r>
+              <a:rPr lang="fr-FR" dirty="0"/>
+              <a:t>TD2 (1,5h)  </a:t>
+            </a:r>
+          </a:p>
+        </p:txBody>
+      </p:sp>
+      <p:sp>
+        <p:nvSpPr>
+          <p:cNvPr id="13" name="Rectangle à coins arrondis 12"/>
+          <p:cNvSpPr/>
+          <p:nvPr/>
+        </p:nvSpPr>
+        <p:spPr>
+          <a:xfrm>
+            <a:off x="7053398" y="4539934"/>
+            <a:ext cx="1326776" cy="439270"/>
+          </a:xfrm>
+          <a:prstGeom prst="roundRect">
+            <a:avLst/>
+          </a:prstGeom>
+        </p:spPr>
+        <p:style>
+          <a:lnRef idx="2">
+            <a:schemeClr val="accent1">
+              <a:shade val="50000"/>
+            </a:schemeClr>
+          </a:lnRef>
+          <a:fillRef idx="1">
+            <a:schemeClr val="accent1"/>
+          </a:fillRef>
+          <a:effectRef idx="0">
+            <a:schemeClr val="accent1"/>
+          </a:effectRef>
+          <a:fontRef idx="minor">
+            <a:schemeClr val="lt1"/>
+          </a:fontRef>
+        </p:style>
+        <p:txBody>
+          <a:bodyPr rtlCol="0" anchor="ctr"/>
+          <a:lstStyle/>
+          <a:p>
+            <a:pPr algn="ctr"/>
+            <a:r>
+              <a:rPr lang="fr-FR" dirty="0"/>
+              <a:t>TP (2,5h)  </a:t>
+            </a:r>
+          </a:p>
+        </p:txBody>
+      </p:sp>
+      <p:sp>
+        <p:nvSpPr>
+          <p:cNvPr id="14" name="Rectangle à coins arrondis 13"/>
+          <p:cNvSpPr/>
+          <p:nvPr/>
+        </p:nvSpPr>
+        <p:spPr>
+          <a:xfrm>
+            <a:off x="2592924" y="5076855"/>
+            <a:ext cx="1326776" cy="439270"/>
+          </a:xfrm>
+          <a:prstGeom prst="roundRect">
+            <a:avLst/>
+          </a:prstGeom>
+        </p:spPr>
+        <p:style>
+          <a:lnRef idx="2">
+            <a:schemeClr val="accent1">
+              <a:shade val="50000"/>
+            </a:schemeClr>
+          </a:lnRef>
+          <a:fillRef idx="1">
+            <a:schemeClr val="accent1"/>
+          </a:fillRef>
+          <a:effectRef idx="0">
+            <a:schemeClr val="accent1"/>
+          </a:effectRef>
+          <a:fontRef idx="minor">
+            <a:schemeClr val="lt1"/>
+          </a:fontRef>
+        </p:style>
+        <p:txBody>
+          <a:bodyPr rtlCol="0" anchor="ctr"/>
+          <a:lstStyle/>
+          <a:p>
+            <a:pPr algn="ctr"/>
+            <a:r>
+              <a:rPr lang="fr-FR" dirty="0"/>
+              <a:t>CM (1,5h)</a:t>
+            </a:r>
+          </a:p>
+        </p:txBody>
+      </p:sp>
+      <p:sp>
+        <p:nvSpPr>
+          <p:cNvPr id="15" name="Rectangle à coins arrondis 14"/>
+          <p:cNvSpPr/>
+          <p:nvPr/>
+        </p:nvSpPr>
+        <p:spPr>
+          <a:xfrm>
+            <a:off x="4081065" y="5076855"/>
+            <a:ext cx="1326776" cy="439270"/>
+          </a:xfrm>
+          <a:prstGeom prst="roundRect">
+            <a:avLst/>
+          </a:prstGeom>
+        </p:spPr>
+        <p:style>
+          <a:lnRef idx="2">
+            <a:schemeClr val="accent1">
+              <a:shade val="50000"/>
+            </a:schemeClr>
+          </a:lnRef>
+          <a:fillRef idx="1">
+            <a:schemeClr val="accent1"/>
+          </a:fillRef>
+          <a:effectRef idx="0">
+            <a:schemeClr val="accent1"/>
+          </a:effectRef>
+          <a:fontRef idx="minor">
+            <a:schemeClr val="lt1"/>
+          </a:fontRef>
+        </p:style>
+        <p:txBody>
+          <a:bodyPr rtlCol="0" anchor="ctr"/>
+          <a:lstStyle/>
+          <a:p>
+            <a:pPr algn="ctr"/>
+            <a:r>
+              <a:rPr lang="fr-FR" dirty="0"/>
+              <a:t>TD1 (2h)  </a:t>
+            </a:r>
+          </a:p>
+        </p:txBody>
+      </p:sp>
+      <p:sp>
+        <p:nvSpPr>
+          <p:cNvPr id="16" name="Rectangle à coins arrondis 15"/>
+          <p:cNvSpPr/>
+          <p:nvPr/>
+        </p:nvSpPr>
+        <p:spPr>
+          <a:xfrm>
+            <a:off x="5589643" y="5076855"/>
+            <a:ext cx="1326776" cy="439270"/>
+          </a:xfrm>
+          <a:prstGeom prst="roundRect">
+            <a:avLst/>
+          </a:prstGeom>
+        </p:spPr>
+        <p:style>
+          <a:lnRef idx="2">
+            <a:schemeClr val="accent1">
+              <a:shade val="50000"/>
+            </a:schemeClr>
+          </a:lnRef>
+          <a:fillRef idx="1">
+            <a:schemeClr val="accent1"/>
+          </a:fillRef>
+          <a:effectRef idx="0">
+            <a:schemeClr val="accent1"/>
+          </a:effectRef>
+          <a:fontRef idx="minor">
+            <a:schemeClr val="lt1"/>
+          </a:fontRef>
+        </p:style>
+        <p:txBody>
+          <a:bodyPr rtlCol="0" anchor="ctr"/>
+          <a:lstStyle/>
+          <a:p>
+            <a:pPr algn="ctr"/>
+            <a:r>
+              <a:rPr lang="fr-FR" dirty="0"/>
+              <a:t>TD2 (1,5h)  </a:t>
+            </a:r>
+          </a:p>
+        </p:txBody>
+      </p:sp>
+      <p:sp>
+        <p:nvSpPr>
+          <p:cNvPr id="17" name="Rectangle à coins arrondis 16"/>
+          <p:cNvSpPr/>
+          <p:nvPr/>
+        </p:nvSpPr>
+        <p:spPr>
+          <a:xfrm>
+            <a:off x="7053398" y="5076855"/>
+            <a:ext cx="1326776" cy="439270"/>
+          </a:xfrm>
+          <a:prstGeom prst="roundRect">
+            <a:avLst/>
+          </a:prstGeom>
+        </p:spPr>
+        <p:style>
+          <a:lnRef idx="2">
+            <a:schemeClr val="accent1">
+              <a:shade val="50000"/>
+            </a:schemeClr>
+          </a:lnRef>
+          <a:fillRef idx="1">
+            <a:schemeClr val="accent1"/>
+          </a:fillRef>
+          <a:effectRef idx="0">
+            <a:schemeClr val="accent1"/>
+          </a:effectRef>
+          <a:fontRef idx="minor">
+            <a:schemeClr val="lt1"/>
+          </a:fontRef>
+        </p:style>
+        <p:txBody>
+          <a:bodyPr rtlCol="0" anchor="ctr"/>
+          <a:lstStyle/>
+          <a:p>
+            <a:pPr algn="ctr"/>
+            <a:r>
+              <a:rPr lang="fr-FR" dirty="0"/>
+              <a:t>TP (2,5h)  </a:t>
+            </a:r>
+          </a:p>
+        </p:txBody>
+      </p:sp>
+    </p:spTree>
+    <p:extLst>
+      <p:ext uri="{BB962C8B-B14F-4D97-AF65-F5344CB8AC3E}">
+        <p14:creationId xmlns:p14="http://schemas.microsoft.com/office/powerpoint/2010/main" val="970161856"/>
+      </p:ext>
+    </p:extLst>
+  </p:cSld>
+  <p:clrMapOvr>
+    <a:masterClrMapping/>
+  </p:clrMapOvr>
+</p:sld>
+</file>
+
+<file path=ppt/slides/slide15.xml><?xml version="1.0" encoding="utf-8"?>
+<p:sld xmlns:a="http://schemas.openxmlformats.org/drawingml/2006/main" xmlns:r="http://schemas.openxmlformats.org/officeDocument/2006/relationships" xmlns:p="http://schemas.openxmlformats.org/presentationml/2006/main">
+  <p:cSld>
+    <p:spTree>
+      <p:nvGrpSpPr>
+        <p:cNvPr id="1" name=""/>
+        <p:cNvGrpSpPr/>
+        <p:nvPr/>
+      </p:nvGrpSpPr>
+      <p:grpSpPr>
+        <a:xfrm>
+          <a:off x="0" y="0"/>
+          <a:ext cx="0" cy="0"/>
+          <a:chOff x="0" y="0"/>
+          <a:chExt cx="0" cy="0"/>
+        </a:xfrm>
+      </p:grpSpPr>
+      <p:sp>
+        <p:nvSpPr>
+          <p:cNvPr id="2" name="Titre 1"/>
+          <p:cNvSpPr>
+            <a:spLocks noGrp="1"/>
+          </p:cNvSpPr>
+          <p:nvPr>
+            <p:ph type="title"/>
+          </p:nvPr>
+        </p:nvSpPr>
+        <p:spPr>
+          <a:xfrm>
+            <a:off x="2592924" y="624110"/>
+            <a:ext cx="8911687" cy="668096"/>
+          </a:xfrm>
+        </p:spPr>
+        <p:txBody>
+          <a:bodyPr/>
+          <a:lstStyle/>
+          <a:p>
+            <a:r>
+              <a:rPr lang="fr-FR" dirty="0"/>
+              <a:t>3.9 – Organisation de la séquence</a:t>
+            </a:r>
+          </a:p>
+        </p:txBody>
+      </p:sp>
+      <p:sp>
+        <p:nvSpPr>
+          <p:cNvPr id="3" name="Espace réservé du numéro de diapositive 2"/>
+          <p:cNvSpPr>
+            <a:spLocks noGrp="1"/>
+          </p:cNvSpPr>
+          <p:nvPr>
+            <p:ph type="sldNum" sz="quarter" idx="12"/>
+          </p:nvPr>
+        </p:nvSpPr>
+        <p:spPr/>
+        <p:txBody>
+          <a:bodyPr/>
+          <a:lstStyle/>
+          <a:p>
+            <a:fld id="{D57F1E4F-1CFF-5643-939E-217C01CDF565}" type="slidenum">
+              <a:rPr lang="en-US" smtClean="0"/>
+              <a:pPr/>
+              <a:t>15</a:t>
             </a:fld>
             <a:endParaRPr lang="en-US" dirty="0"/>
           </a:p>
@@ -10252,552 +10446,6 @@
 </p:sld>
 </file>
 
-<file path=ppt/slides/slide15.xml><?xml version="1.0" encoding="utf-8"?>
-<p:sld xmlns:a="http://schemas.openxmlformats.org/drawingml/2006/main" xmlns:r="http://schemas.openxmlformats.org/officeDocument/2006/relationships" xmlns:p="http://schemas.openxmlformats.org/presentationml/2006/main">
-  <p:cSld>
-    <p:spTree>
-      <p:nvGrpSpPr>
-        <p:cNvPr id="1" name=""/>
-        <p:cNvGrpSpPr/>
-        <p:nvPr/>
-      </p:nvGrpSpPr>
-      <p:grpSpPr>
-        <a:xfrm>
-          <a:off x="0" y="0"/>
-          <a:ext cx="0" cy="0"/>
-          <a:chOff x="0" y="0"/>
-          <a:chExt cx="0" cy="0"/>
-        </a:xfrm>
-      </p:grpSpPr>
-      <p:sp>
-        <p:nvSpPr>
-          <p:cNvPr id="2" name="Titre 1"/>
-          <p:cNvSpPr>
-            <a:spLocks noGrp="1"/>
-          </p:cNvSpPr>
-          <p:nvPr>
-            <p:ph type="title"/>
-          </p:nvPr>
-        </p:nvSpPr>
-        <p:spPr>
-          <a:xfrm>
-            <a:off x="2592924" y="624110"/>
-            <a:ext cx="8911687" cy="668096"/>
-          </a:xfrm>
-        </p:spPr>
-        <p:txBody>
-          <a:bodyPr/>
-          <a:lstStyle/>
-          <a:p>
-            <a:r>
-              <a:rPr lang="fr-FR" dirty="0"/>
-              <a:t>3.7 – Organisation de la séquence</a:t>
-            </a:r>
-          </a:p>
-        </p:txBody>
-      </p:sp>
-      <p:sp>
-        <p:nvSpPr>
-          <p:cNvPr id="3" name="Espace réservé du numéro de diapositive 2"/>
-          <p:cNvSpPr>
-            <a:spLocks noGrp="1"/>
-          </p:cNvSpPr>
-          <p:nvPr>
-            <p:ph type="sldNum" sz="quarter" idx="12"/>
-          </p:nvPr>
-        </p:nvSpPr>
-        <p:spPr/>
-        <p:txBody>
-          <a:bodyPr/>
-          <a:lstStyle/>
-          <a:p>
-            <a:fld id="{D57F1E4F-1CFF-5643-939E-217C01CDF565}" type="slidenum">
-              <a:rPr lang="en-US" smtClean="0"/>
-              <a:pPr/>
-              <a:t>15</a:t>
-            </a:fld>
-            <a:endParaRPr lang="en-US" dirty="0"/>
-          </a:p>
-        </p:txBody>
-      </p:sp>
-      <p:sp>
-        <p:nvSpPr>
-          <p:cNvPr id="18" name="ZoneTexte 17"/>
-          <p:cNvSpPr txBox="1"/>
-          <p:nvPr/>
-        </p:nvSpPr>
-        <p:spPr>
-          <a:xfrm>
-            <a:off x="2558299" y="1263018"/>
-            <a:ext cx="5152373" cy="923330"/>
-          </a:xfrm>
-          <a:prstGeom prst="rect">
-            <a:avLst/>
-          </a:prstGeom>
-          <a:noFill/>
-        </p:spPr>
-        <p:txBody>
-          <a:bodyPr wrap="none" rtlCol="0">
-            <a:spAutoFit/>
-          </a:bodyPr>
-          <a:lstStyle/>
-          <a:p>
-            <a:r>
-              <a:rPr lang="fr-FR" b="1" u="sng" dirty="0"/>
-              <a:t>Ex </a:t>
-            </a:r>
-            <a:r>
-              <a:rPr lang="fr-FR" b="1" u="sng" dirty="0" err="1"/>
-              <a:t>Tle</a:t>
-            </a:r>
-            <a:r>
-              <a:rPr lang="fr-FR" b="1" u="sng" dirty="0"/>
-              <a:t> STI2D </a:t>
-            </a:r>
-            <a:r>
-              <a:rPr lang="fr-FR" b="1" dirty="0"/>
-              <a:t>: 212D TC = 2 x 2h 2I2D E.S=2 x 4h</a:t>
-            </a:r>
-          </a:p>
-          <a:p>
-            <a:r>
-              <a:rPr lang="fr-FR" b="1" dirty="0"/>
-              <a:t>T.C. en Classe entière</a:t>
-            </a:r>
-          </a:p>
-          <a:p>
-            <a:r>
-              <a:rPr lang="fr-FR" b="1" dirty="0"/>
-              <a:t>E.S. en demi-effectifs</a:t>
-            </a:r>
-          </a:p>
-        </p:txBody>
-      </p:sp>
-      <p:sp>
-        <p:nvSpPr>
-          <p:cNvPr id="22" name="Rectangle à coins arrondis 21"/>
-          <p:cNvSpPr/>
-          <p:nvPr/>
-        </p:nvSpPr>
-        <p:spPr>
-          <a:xfrm>
-            <a:off x="2592924" y="3419570"/>
-            <a:ext cx="1336010" cy="689907"/>
-          </a:xfrm>
-          <a:prstGeom prst="roundRect">
-            <a:avLst/>
-          </a:prstGeom>
-        </p:spPr>
-        <p:style>
-          <a:lnRef idx="2">
-            <a:schemeClr val="accent1">
-              <a:shade val="50000"/>
-            </a:schemeClr>
-          </a:lnRef>
-          <a:fillRef idx="1">
-            <a:schemeClr val="accent1"/>
-          </a:fillRef>
-          <a:effectRef idx="0">
-            <a:schemeClr val="accent1"/>
-          </a:effectRef>
-          <a:fontRef idx="minor">
-            <a:schemeClr val="lt1"/>
-          </a:fontRef>
-        </p:style>
-        <p:txBody>
-          <a:bodyPr rtlCol="0" anchor="ctr"/>
-          <a:lstStyle/>
-          <a:p>
-            <a:pPr algn="ctr"/>
-            <a:r>
-              <a:rPr lang="fr-FR" b="1" dirty="0"/>
-              <a:t>Cours (2h)</a:t>
-            </a:r>
-          </a:p>
-        </p:txBody>
-      </p:sp>
-      <p:sp>
-        <p:nvSpPr>
-          <p:cNvPr id="23" name="Rectangle à coins arrondis 22"/>
-          <p:cNvSpPr/>
-          <p:nvPr/>
-        </p:nvSpPr>
-        <p:spPr>
-          <a:xfrm>
-            <a:off x="4196318" y="3419570"/>
-            <a:ext cx="1336010" cy="1505111"/>
-          </a:xfrm>
-          <a:prstGeom prst="roundRect">
-            <a:avLst/>
-          </a:prstGeom>
-          <a:solidFill>
-            <a:schemeClr val="accent1">
-              <a:alpha val="37000"/>
-            </a:schemeClr>
-          </a:solidFill>
-        </p:spPr>
-        <p:style>
-          <a:lnRef idx="2">
-            <a:schemeClr val="accent1">
-              <a:shade val="50000"/>
-            </a:schemeClr>
-          </a:lnRef>
-          <a:fillRef idx="1">
-            <a:schemeClr val="accent1"/>
-          </a:fillRef>
-          <a:effectRef idx="0">
-            <a:schemeClr val="accent1"/>
-          </a:effectRef>
-          <a:fontRef idx="minor">
-            <a:schemeClr val="lt1"/>
-          </a:fontRef>
-        </p:style>
-        <p:txBody>
-          <a:bodyPr rtlCol="0" anchor="ctr"/>
-          <a:lstStyle/>
-          <a:p>
-            <a:pPr algn="ctr"/>
-            <a:r>
-              <a:rPr lang="fr-FR" b="1" dirty="0"/>
-              <a:t>TP (4h00)</a:t>
-            </a:r>
-          </a:p>
-        </p:txBody>
-      </p:sp>
-      <p:sp>
-        <p:nvSpPr>
-          <p:cNvPr id="24" name="Rectangle à coins arrondis 23"/>
-          <p:cNvSpPr/>
-          <p:nvPr/>
-        </p:nvSpPr>
-        <p:spPr>
-          <a:xfrm>
-            <a:off x="5799712" y="3419569"/>
-            <a:ext cx="1336010" cy="689908"/>
-          </a:xfrm>
-          <a:prstGeom prst="roundRect">
-            <a:avLst/>
-          </a:prstGeom>
-        </p:spPr>
-        <p:style>
-          <a:lnRef idx="2">
-            <a:schemeClr val="accent1">
-              <a:shade val="50000"/>
-            </a:schemeClr>
-          </a:lnRef>
-          <a:fillRef idx="1">
-            <a:schemeClr val="accent1"/>
-          </a:fillRef>
-          <a:effectRef idx="0">
-            <a:schemeClr val="accent1"/>
-          </a:effectRef>
-          <a:fontRef idx="minor">
-            <a:schemeClr val="lt1"/>
-          </a:fontRef>
-        </p:style>
-        <p:txBody>
-          <a:bodyPr rtlCol="0" anchor="ctr"/>
-          <a:lstStyle/>
-          <a:p>
-            <a:pPr algn="ctr"/>
-            <a:r>
-              <a:rPr lang="fr-FR" b="1" dirty="0"/>
-              <a:t>Cours (2h)</a:t>
-            </a:r>
-          </a:p>
-        </p:txBody>
-      </p:sp>
-      <p:sp>
-        <p:nvSpPr>
-          <p:cNvPr id="26" name="Rectangle à coins arrondis 25"/>
-          <p:cNvSpPr/>
-          <p:nvPr/>
-        </p:nvSpPr>
-        <p:spPr>
-          <a:xfrm>
-            <a:off x="7343788" y="3419571"/>
-            <a:ext cx="1336010" cy="1505110"/>
-          </a:xfrm>
-          <a:prstGeom prst="roundRect">
-            <a:avLst/>
-          </a:prstGeom>
-          <a:solidFill>
-            <a:schemeClr val="accent1">
-              <a:alpha val="37000"/>
-            </a:schemeClr>
-          </a:solidFill>
-        </p:spPr>
-        <p:style>
-          <a:lnRef idx="2">
-            <a:schemeClr val="accent1">
-              <a:shade val="50000"/>
-            </a:schemeClr>
-          </a:lnRef>
-          <a:fillRef idx="1">
-            <a:schemeClr val="accent1"/>
-          </a:fillRef>
-          <a:effectRef idx="0">
-            <a:schemeClr val="accent1"/>
-          </a:effectRef>
-          <a:fontRef idx="minor">
-            <a:schemeClr val="lt1"/>
-          </a:fontRef>
-        </p:style>
-        <p:txBody>
-          <a:bodyPr rtlCol="0" anchor="ctr"/>
-          <a:lstStyle/>
-          <a:p>
-            <a:pPr algn="ctr"/>
-            <a:r>
-              <a:rPr lang="fr-FR" b="1" dirty="0"/>
-              <a:t>TP (4h00)</a:t>
-            </a:r>
-          </a:p>
-        </p:txBody>
-      </p:sp>
-      <p:sp>
-        <p:nvSpPr>
-          <p:cNvPr id="28" name="Rectangle 27"/>
-          <p:cNvSpPr/>
-          <p:nvPr/>
-        </p:nvSpPr>
-        <p:spPr>
-          <a:xfrm>
-            <a:off x="2592924" y="2556960"/>
-            <a:ext cx="1336010" cy="268297"/>
-          </a:xfrm>
-          <a:prstGeom prst="rect">
-            <a:avLst/>
-          </a:prstGeom>
-          <a:solidFill>
-            <a:srgbClr val="C00000"/>
-          </a:solidFill>
-        </p:spPr>
-        <p:style>
-          <a:lnRef idx="2">
-            <a:schemeClr val="accent2">
-              <a:shade val="50000"/>
-            </a:schemeClr>
-          </a:lnRef>
-          <a:fillRef idx="1">
-            <a:schemeClr val="accent2"/>
-          </a:fillRef>
-          <a:effectRef idx="0">
-            <a:schemeClr val="accent2"/>
-          </a:effectRef>
-          <a:fontRef idx="minor">
-            <a:schemeClr val="lt1"/>
-          </a:fontRef>
-        </p:style>
-        <p:txBody>
-          <a:bodyPr rtlCol="0" anchor="ctr"/>
-          <a:lstStyle/>
-          <a:p>
-            <a:pPr algn="ctr"/>
-            <a:r>
-              <a:rPr lang="fr-FR" dirty="0"/>
-              <a:t>Lundi</a:t>
-            </a:r>
-          </a:p>
-        </p:txBody>
-      </p:sp>
-      <p:sp>
-        <p:nvSpPr>
-          <p:cNvPr id="29" name="Rectangle 28"/>
-          <p:cNvSpPr/>
-          <p:nvPr/>
-        </p:nvSpPr>
-        <p:spPr>
-          <a:xfrm>
-            <a:off x="4196318" y="2556959"/>
-            <a:ext cx="1336010" cy="268297"/>
-          </a:xfrm>
-          <a:prstGeom prst="rect">
-            <a:avLst/>
-          </a:prstGeom>
-          <a:solidFill>
-            <a:srgbClr val="C00000"/>
-          </a:solidFill>
-        </p:spPr>
-        <p:style>
-          <a:lnRef idx="2">
-            <a:schemeClr val="accent2">
-              <a:shade val="50000"/>
-            </a:schemeClr>
-          </a:lnRef>
-          <a:fillRef idx="1">
-            <a:schemeClr val="accent2"/>
-          </a:fillRef>
-          <a:effectRef idx="0">
-            <a:schemeClr val="accent2"/>
-          </a:effectRef>
-          <a:fontRef idx="minor">
-            <a:schemeClr val="lt1"/>
-          </a:fontRef>
-        </p:style>
-        <p:txBody>
-          <a:bodyPr rtlCol="0" anchor="ctr"/>
-          <a:lstStyle/>
-          <a:p>
-            <a:pPr algn="ctr"/>
-            <a:r>
-              <a:rPr lang="fr-FR" dirty="0"/>
-              <a:t>Mardi</a:t>
-            </a:r>
-          </a:p>
-        </p:txBody>
-      </p:sp>
-      <p:sp>
-        <p:nvSpPr>
-          <p:cNvPr id="30" name="Rectangle 29"/>
-          <p:cNvSpPr/>
-          <p:nvPr/>
-        </p:nvSpPr>
-        <p:spPr>
-          <a:xfrm>
-            <a:off x="5799712" y="2556959"/>
-            <a:ext cx="1336010" cy="268297"/>
-          </a:xfrm>
-          <a:prstGeom prst="rect">
-            <a:avLst/>
-          </a:prstGeom>
-          <a:solidFill>
-            <a:srgbClr val="C00000"/>
-          </a:solidFill>
-        </p:spPr>
-        <p:style>
-          <a:lnRef idx="2">
-            <a:schemeClr val="accent2">
-              <a:shade val="50000"/>
-            </a:schemeClr>
-          </a:lnRef>
-          <a:fillRef idx="1">
-            <a:schemeClr val="accent2"/>
-          </a:fillRef>
-          <a:effectRef idx="0">
-            <a:schemeClr val="accent2"/>
-          </a:effectRef>
-          <a:fontRef idx="minor">
-            <a:schemeClr val="lt1"/>
-          </a:fontRef>
-        </p:style>
-        <p:txBody>
-          <a:bodyPr rtlCol="0" anchor="ctr"/>
-          <a:lstStyle/>
-          <a:p>
-            <a:pPr algn="ctr"/>
-            <a:r>
-              <a:rPr lang="fr-FR" dirty="0"/>
-              <a:t>Mercredi</a:t>
-            </a:r>
-          </a:p>
-        </p:txBody>
-      </p:sp>
-      <p:sp>
-        <p:nvSpPr>
-          <p:cNvPr id="31" name="Rectangle 30"/>
-          <p:cNvSpPr/>
-          <p:nvPr/>
-        </p:nvSpPr>
-        <p:spPr>
-          <a:xfrm>
-            <a:off x="7403106" y="2556959"/>
-            <a:ext cx="1336010" cy="268297"/>
-          </a:xfrm>
-          <a:prstGeom prst="rect">
-            <a:avLst/>
-          </a:prstGeom>
-          <a:solidFill>
-            <a:srgbClr val="C00000"/>
-          </a:solidFill>
-        </p:spPr>
-        <p:style>
-          <a:lnRef idx="2">
-            <a:schemeClr val="accent2">
-              <a:shade val="50000"/>
-            </a:schemeClr>
-          </a:lnRef>
-          <a:fillRef idx="1">
-            <a:schemeClr val="accent2"/>
-          </a:fillRef>
-          <a:effectRef idx="0">
-            <a:schemeClr val="accent2"/>
-          </a:effectRef>
-          <a:fontRef idx="minor">
-            <a:schemeClr val="lt1"/>
-          </a:fontRef>
-        </p:style>
-        <p:txBody>
-          <a:bodyPr rtlCol="0" anchor="ctr"/>
-          <a:lstStyle/>
-          <a:p>
-            <a:pPr algn="ctr"/>
-            <a:r>
-              <a:rPr lang="fr-FR" dirty="0"/>
-              <a:t>Jeudi</a:t>
-            </a:r>
-          </a:p>
-        </p:txBody>
-      </p:sp>
-      <p:sp>
-        <p:nvSpPr>
-          <p:cNvPr id="32" name="Rectangle 31"/>
-          <p:cNvSpPr/>
-          <p:nvPr/>
-        </p:nvSpPr>
-        <p:spPr>
-          <a:xfrm>
-            <a:off x="9006500" y="2556959"/>
-            <a:ext cx="1336010" cy="268297"/>
-          </a:xfrm>
-          <a:prstGeom prst="rect">
-            <a:avLst/>
-          </a:prstGeom>
-          <a:solidFill>
-            <a:srgbClr val="C00000"/>
-          </a:solidFill>
-        </p:spPr>
-        <p:style>
-          <a:lnRef idx="2">
-            <a:schemeClr val="accent2">
-              <a:shade val="50000"/>
-            </a:schemeClr>
-          </a:lnRef>
-          <a:fillRef idx="1">
-            <a:schemeClr val="accent2"/>
-          </a:fillRef>
-          <a:effectRef idx="0">
-            <a:schemeClr val="accent2"/>
-          </a:effectRef>
-          <a:fontRef idx="minor">
-            <a:schemeClr val="lt1"/>
-          </a:fontRef>
-        </p:style>
-        <p:txBody>
-          <a:bodyPr rtlCol="0" anchor="ctr"/>
-          <a:lstStyle/>
-          <a:p>
-            <a:pPr algn="ctr"/>
-            <a:r>
-              <a:rPr lang="fr-FR" dirty="0"/>
-              <a:t>Vendredi</a:t>
-            </a:r>
-          </a:p>
-        </p:txBody>
-      </p:sp>
-    </p:spTree>
-    <p:extLst>
-      <p:ext uri="{BB962C8B-B14F-4D97-AF65-F5344CB8AC3E}">
-        <p14:creationId xmlns:p14="http://schemas.microsoft.com/office/powerpoint/2010/main" val="1332731715"/>
-      </p:ext>
-    </p:extLst>
-  </p:cSld>
-  <p:clrMapOvr>
-    <a:masterClrMapping/>
-  </p:clrMapOvr>
-</p:sld>
-</file>
-
 <file path=ppt/slides/slide16.xml><?xml version="1.0" encoding="utf-8"?>
 <p:sld xmlns:a="http://schemas.openxmlformats.org/drawingml/2006/main" xmlns:r="http://schemas.openxmlformats.org/officeDocument/2006/relationships" xmlns:p="http://schemas.openxmlformats.org/presentationml/2006/main">
   <p:cSld>
@@ -10837,7 +10485,7 @@
           <a:p>
             <a:r>
               <a:rPr lang="fr-FR" dirty="0"/>
-              <a:t>3.8 – Supports d’apprentissage</a:t>
+              <a:t>3.9 – Organisation de la séquence</a:t>
             </a:r>
           </a:p>
         </p:txBody>
@@ -10868,14 +10516,14 @@
       </p:sp>
       <p:sp>
         <p:nvSpPr>
-          <p:cNvPr id="5" name="ZoneTexte 4"/>
+          <p:cNvPr id="18" name="ZoneTexte 17"/>
           <p:cNvSpPr txBox="1"/>
           <p:nvPr/>
         </p:nvSpPr>
         <p:spPr>
           <a:xfrm>
-            <a:off x="2928133" y="2684111"/>
-            <a:ext cx="8577989" cy="1200329"/>
+            <a:off x="2558299" y="1263018"/>
+            <a:ext cx="5152373" cy="923330"/>
           </a:xfrm>
           <a:prstGeom prst="rect">
             <a:avLst/>
@@ -10889,31 +10537,452 @@
           <a:lstStyle/>
           <a:p>
             <a:r>
-              <a:rPr lang="fr-FR" dirty="0"/>
-              <a:t>Attention au nombre de support dispo</a:t>
-            </a:r>
-          </a:p>
-          <a:p>
-            <a:r>
-              <a:rPr lang="fr-FR" dirty="0"/>
-              <a:t>(plusieurs supports peuvent conduire aux même apport de connaissance , </a:t>
-            </a:r>
-          </a:p>
-          <a:p>
-            <a:r>
-              <a:rPr lang="fr-FR" dirty="0"/>
-              <a:t>développement de compétences</a:t>
-            </a:r>
-          </a:p>
-          <a:p>
-            <a:endParaRPr lang="fr-FR" dirty="0"/>
+              <a:rPr lang="fr-FR" b="1" u="sng" dirty="0"/>
+              <a:t>Ex </a:t>
+            </a:r>
+            <a:r>
+              <a:rPr lang="fr-FR" b="1" u="sng" dirty="0" err="1"/>
+              <a:t>Tle</a:t>
+            </a:r>
+            <a:r>
+              <a:rPr lang="fr-FR" b="1" u="sng" dirty="0"/>
+              <a:t> STI2D </a:t>
+            </a:r>
+            <a:r>
+              <a:rPr lang="fr-FR" b="1" dirty="0"/>
+              <a:t>: 212D TC = 2 x 2h 2I2D E.S=2 x 4h</a:t>
+            </a:r>
+          </a:p>
+          <a:p>
+            <a:r>
+              <a:rPr lang="fr-FR" b="1" dirty="0"/>
+              <a:t>T.C. en Classe entière</a:t>
+            </a:r>
+          </a:p>
+          <a:p>
+            <a:r>
+              <a:rPr lang="fr-FR" b="1" dirty="0"/>
+              <a:t>E.S. en demi-effectifs</a:t>
+            </a:r>
+          </a:p>
+        </p:txBody>
+      </p:sp>
+      <p:sp>
+        <p:nvSpPr>
+          <p:cNvPr id="22" name="Rectangle à coins arrondis 21"/>
+          <p:cNvSpPr/>
+          <p:nvPr/>
+        </p:nvSpPr>
+        <p:spPr>
+          <a:xfrm>
+            <a:off x="2592924" y="3419570"/>
+            <a:ext cx="1336010" cy="689907"/>
+          </a:xfrm>
+          <a:prstGeom prst="roundRect">
+            <a:avLst/>
+          </a:prstGeom>
+        </p:spPr>
+        <p:style>
+          <a:lnRef idx="2">
+            <a:schemeClr val="accent1">
+              <a:shade val="50000"/>
+            </a:schemeClr>
+          </a:lnRef>
+          <a:fillRef idx="1">
+            <a:schemeClr val="accent1"/>
+          </a:fillRef>
+          <a:effectRef idx="0">
+            <a:schemeClr val="accent1"/>
+          </a:effectRef>
+          <a:fontRef idx="minor">
+            <a:schemeClr val="lt1"/>
+          </a:fontRef>
+        </p:style>
+        <p:txBody>
+          <a:bodyPr rtlCol="0" anchor="ctr"/>
+          <a:lstStyle/>
+          <a:p>
+            <a:pPr algn="ctr"/>
+            <a:r>
+              <a:rPr lang="fr-FR" b="1" dirty="0"/>
+              <a:t>Cours (2h)</a:t>
+            </a:r>
+          </a:p>
+        </p:txBody>
+      </p:sp>
+      <p:sp>
+        <p:nvSpPr>
+          <p:cNvPr id="23" name="Rectangle à coins arrondis 22"/>
+          <p:cNvSpPr/>
+          <p:nvPr/>
+        </p:nvSpPr>
+        <p:spPr>
+          <a:xfrm>
+            <a:off x="4196318" y="3419570"/>
+            <a:ext cx="1336010" cy="1505111"/>
+          </a:xfrm>
+          <a:prstGeom prst="roundRect">
+            <a:avLst/>
+          </a:prstGeom>
+          <a:solidFill>
+            <a:schemeClr val="accent1">
+              <a:alpha val="37000"/>
+            </a:schemeClr>
+          </a:solidFill>
+        </p:spPr>
+        <p:style>
+          <a:lnRef idx="2">
+            <a:schemeClr val="accent1">
+              <a:shade val="50000"/>
+            </a:schemeClr>
+          </a:lnRef>
+          <a:fillRef idx="1">
+            <a:schemeClr val="accent1"/>
+          </a:fillRef>
+          <a:effectRef idx="0">
+            <a:schemeClr val="accent1"/>
+          </a:effectRef>
+          <a:fontRef idx="minor">
+            <a:schemeClr val="lt1"/>
+          </a:fontRef>
+        </p:style>
+        <p:txBody>
+          <a:bodyPr rtlCol="0" anchor="ctr"/>
+          <a:lstStyle/>
+          <a:p>
+            <a:pPr algn="ctr"/>
+            <a:r>
+              <a:rPr lang="fr-FR" b="1" dirty="0"/>
+              <a:t>TP (4h00)</a:t>
+            </a:r>
+          </a:p>
+        </p:txBody>
+      </p:sp>
+      <p:sp>
+        <p:nvSpPr>
+          <p:cNvPr id="24" name="Rectangle à coins arrondis 23"/>
+          <p:cNvSpPr/>
+          <p:nvPr/>
+        </p:nvSpPr>
+        <p:spPr>
+          <a:xfrm>
+            <a:off x="5799712" y="3419569"/>
+            <a:ext cx="1336010" cy="689908"/>
+          </a:xfrm>
+          <a:prstGeom prst="roundRect">
+            <a:avLst/>
+          </a:prstGeom>
+        </p:spPr>
+        <p:style>
+          <a:lnRef idx="2">
+            <a:schemeClr val="accent1">
+              <a:shade val="50000"/>
+            </a:schemeClr>
+          </a:lnRef>
+          <a:fillRef idx="1">
+            <a:schemeClr val="accent1"/>
+          </a:fillRef>
+          <a:effectRef idx="0">
+            <a:schemeClr val="accent1"/>
+          </a:effectRef>
+          <a:fontRef idx="minor">
+            <a:schemeClr val="lt1"/>
+          </a:fontRef>
+        </p:style>
+        <p:txBody>
+          <a:bodyPr rtlCol="0" anchor="ctr"/>
+          <a:lstStyle/>
+          <a:p>
+            <a:pPr algn="ctr"/>
+            <a:r>
+              <a:rPr lang="fr-FR" b="1" dirty="0"/>
+              <a:t>Cours (2h)</a:t>
+            </a:r>
+          </a:p>
+        </p:txBody>
+      </p:sp>
+      <p:sp>
+        <p:nvSpPr>
+          <p:cNvPr id="26" name="Rectangle à coins arrondis 25"/>
+          <p:cNvSpPr/>
+          <p:nvPr/>
+        </p:nvSpPr>
+        <p:spPr>
+          <a:xfrm>
+            <a:off x="7343788" y="3419571"/>
+            <a:ext cx="1336010" cy="1505110"/>
+          </a:xfrm>
+          <a:prstGeom prst="roundRect">
+            <a:avLst/>
+          </a:prstGeom>
+          <a:solidFill>
+            <a:schemeClr val="accent1">
+              <a:alpha val="37000"/>
+            </a:schemeClr>
+          </a:solidFill>
+        </p:spPr>
+        <p:style>
+          <a:lnRef idx="2">
+            <a:schemeClr val="accent1">
+              <a:shade val="50000"/>
+            </a:schemeClr>
+          </a:lnRef>
+          <a:fillRef idx="1">
+            <a:schemeClr val="accent1"/>
+          </a:fillRef>
+          <a:effectRef idx="0">
+            <a:schemeClr val="accent1"/>
+          </a:effectRef>
+          <a:fontRef idx="minor">
+            <a:schemeClr val="lt1"/>
+          </a:fontRef>
+        </p:style>
+        <p:txBody>
+          <a:bodyPr rtlCol="0" anchor="ctr"/>
+          <a:lstStyle/>
+          <a:p>
+            <a:pPr algn="ctr"/>
+            <a:r>
+              <a:rPr lang="fr-FR" b="1" dirty="0"/>
+              <a:t>TP (4h00)</a:t>
+            </a:r>
+          </a:p>
+        </p:txBody>
+      </p:sp>
+      <p:sp>
+        <p:nvSpPr>
+          <p:cNvPr id="28" name="Rectangle 27"/>
+          <p:cNvSpPr/>
+          <p:nvPr/>
+        </p:nvSpPr>
+        <p:spPr>
+          <a:xfrm>
+            <a:off x="2592924" y="2556960"/>
+            <a:ext cx="1336010" cy="268297"/>
+          </a:xfrm>
+          <a:prstGeom prst="rect">
+            <a:avLst/>
+          </a:prstGeom>
+          <a:solidFill>
+            <a:srgbClr val="C00000"/>
+          </a:solidFill>
+        </p:spPr>
+        <p:style>
+          <a:lnRef idx="2">
+            <a:schemeClr val="accent2">
+              <a:shade val="50000"/>
+            </a:schemeClr>
+          </a:lnRef>
+          <a:fillRef idx="1">
+            <a:schemeClr val="accent2"/>
+          </a:fillRef>
+          <a:effectRef idx="0">
+            <a:schemeClr val="accent2"/>
+          </a:effectRef>
+          <a:fontRef idx="minor">
+            <a:schemeClr val="lt1"/>
+          </a:fontRef>
+        </p:style>
+        <p:txBody>
+          <a:bodyPr rtlCol="0" anchor="ctr"/>
+          <a:lstStyle/>
+          <a:p>
+            <a:pPr algn="ctr"/>
+            <a:r>
+              <a:rPr lang="fr-FR" dirty="0"/>
+              <a:t>Lundi</a:t>
+            </a:r>
+          </a:p>
+        </p:txBody>
+      </p:sp>
+      <p:sp>
+        <p:nvSpPr>
+          <p:cNvPr id="29" name="Rectangle 28"/>
+          <p:cNvSpPr/>
+          <p:nvPr/>
+        </p:nvSpPr>
+        <p:spPr>
+          <a:xfrm>
+            <a:off x="4196318" y="2556959"/>
+            <a:ext cx="1336010" cy="268297"/>
+          </a:xfrm>
+          <a:prstGeom prst="rect">
+            <a:avLst/>
+          </a:prstGeom>
+          <a:solidFill>
+            <a:srgbClr val="C00000"/>
+          </a:solidFill>
+        </p:spPr>
+        <p:style>
+          <a:lnRef idx="2">
+            <a:schemeClr val="accent2">
+              <a:shade val="50000"/>
+            </a:schemeClr>
+          </a:lnRef>
+          <a:fillRef idx="1">
+            <a:schemeClr val="accent2"/>
+          </a:fillRef>
+          <a:effectRef idx="0">
+            <a:schemeClr val="accent2"/>
+          </a:effectRef>
+          <a:fontRef idx="minor">
+            <a:schemeClr val="lt1"/>
+          </a:fontRef>
+        </p:style>
+        <p:txBody>
+          <a:bodyPr rtlCol="0" anchor="ctr"/>
+          <a:lstStyle/>
+          <a:p>
+            <a:pPr algn="ctr"/>
+            <a:r>
+              <a:rPr lang="fr-FR" dirty="0"/>
+              <a:t>Mardi</a:t>
+            </a:r>
+          </a:p>
+        </p:txBody>
+      </p:sp>
+      <p:sp>
+        <p:nvSpPr>
+          <p:cNvPr id="30" name="Rectangle 29"/>
+          <p:cNvSpPr/>
+          <p:nvPr/>
+        </p:nvSpPr>
+        <p:spPr>
+          <a:xfrm>
+            <a:off x="5799712" y="2556959"/>
+            <a:ext cx="1336010" cy="268297"/>
+          </a:xfrm>
+          <a:prstGeom prst="rect">
+            <a:avLst/>
+          </a:prstGeom>
+          <a:solidFill>
+            <a:srgbClr val="C00000"/>
+          </a:solidFill>
+        </p:spPr>
+        <p:style>
+          <a:lnRef idx="2">
+            <a:schemeClr val="accent2">
+              <a:shade val="50000"/>
+            </a:schemeClr>
+          </a:lnRef>
+          <a:fillRef idx="1">
+            <a:schemeClr val="accent2"/>
+          </a:fillRef>
+          <a:effectRef idx="0">
+            <a:schemeClr val="accent2"/>
+          </a:effectRef>
+          <a:fontRef idx="minor">
+            <a:schemeClr val="lt1"/>
+          </a:fontRef>
+        </p:style>
+        <p:txBody>
+          <a:bodyPr rtlCol="0" anchor="ctr"/>
+          <a:lstStyle/>
+          <a:p>
+            <a:pPr algn="ctr"/>
+            <a:r>
+              <a:rPr lang="fr-FR" dirty="0"/>
+              <a:t>Mercredi</a:t>
+            </a:r>
+          </a:p>
+        </p:txBody>
+      </p:sp>
+      <p:sp>
+        <p:nvSpPr>
+          <p:cNvPr id="31" name="Rectangle 30"/>
+          <p:cNvSpPr/>
+          <p:nvPr/>
+        </p:nvSpPr>
+        <p:spPr>
+          <a:xfrm>
+            <a:off x="7403106" y="2556959"/>
+            <a:ext cx="1336010" cy="268297"/>
+          </a:xfrm>
+          <a:prstGeom prst="rect">
+            <a:avLst/>
+          </a:prstGeom>
+          <a:solidFill>
+            <a:srgbClr val="C00000"/>
+          </a:solidFill>
+        </p:spPr>
+        <p:style>
+          <a:lnRef idx="2">
+            <a:schemeClr val="accent2">
+              <a:shade val="50000"/>
+            </a:schemeClr>
+          </a:lnRef>
+          <a:fillRef idx="1">
+            <a:schemeClr val="accent2"/>
+          </a:fillRef>
+          <a:effectRef idx="0">
+            <a:schemeClr val="accent2"/>
+          </a:effectRef>
+          <a:fontRef idx="minor">
+            <a:schemeClr val="lt1"/>
+          </a:fontRef>
+        </p:style>
+        <p:txBody>
+          <a:bodyPr rtlCol="0" anchor="ctr"/>
+          <a:lstStyle/>
+          <a:p>
+            <a:pPr algn="ctr"/>
+            <a:r>
+              <a:rPr lang="fr-FR" dirty="0"/>
+              <a:t>Jeudi</a:t>
+            </a:r>
+          </a:p>
+        </p:txBody>
+      </p:sp>
+      <p:sp>
+        <p:nvSpPr>
+          <p:cNvPr id="32" name="Rectangle 31"/>
+          <p:cNvSpPr/>
+          <p:nvPr/>
+        </p:nvSpPr>
+        <p:spPr>
+          <a:xfrm>
+            <a:off x="9006500" y="2556959"/>
+            <a:ext cx="1336010" cy="268297"/>
+          </a:xfrm>
+          <a:prstGeom prst="rect">
+            <a:avLst/>
+          </a:prstGeom>
+          <a:solidFill>
+            <a:srgbClr val="C00000"/>
+          </a:solidFill>
+        </p:spPr>
+        <p:style>
+          <a:lnRef idx="2">
+            <a:schemeClr val="accent2">
+              <a:shade val="50000"/>
+            </a:schemeClr>
+          </a:lnRef>
+          <a:fillRef idx="1">
+            <a:schemeClr val="accent2"/>
+          </a:fillRef>
+          <a:effectRef idx="0">
+            <a:schemeClr val="accent2"/>
+          </a:effectRef>
+          <a:fontRef idx="minor">
+            <a:schemeClr val="lt1"/>
+          </a:fontRef>
+        </p:style>
+        <p:txBody>
+          <a:bodyPr rtlCol="0" anchor="ctr"/>
+          <a:lstStyle/>
+          <a:p>
+            <a:pPr algn="ctr"/>
+            <a:r>
+              <a:rPr lang="fr-FR" dirty="0"/>
+              <a:t>Vendredi</a:t>
+            </a:r>
           </a:p>
         </p:txBody>
       </p:sp>
     </p:spTree>
     <p:extLst>
       <p:ext uri="{BB962C8B-B14F-4D97-AF65-F5344CB8AC3E}">
-        <p14:creationId xmlns:p14="http://schemas.microsoft.com/office/powerpoint/2010/main" val="970161856"/>
+        <p14:creationId xmlns:p14="http://schemas.microsoft.com/office/powerpoint/2010/main" val="1332731715"/>
       </p:ext>
     </p:extLst>
   </p:cSld>
@@ -10950,14 +11019,19 @@
             <p:ph type="title"/>
           </p:nvPr>
         </p:nvSpPr>
-        <p:spPr/>
+        <p:spPr>
+          <a:xfrm>
+            <a:off x="2592924" y="624110"/>
+            <a:ext cx="8911687" cy="668096"/>
+          </a:xfrm>
+        </p:spPr>
         <p:txBody>
           <a:bodyPr/>
           <a:lstStyle/>
           <a:p>
             <a:r>
               <a:rPr lang="fr-FR" dirty="0"/>
-              <a:t>3.9 – Détail de la séance</a:t>
+              <a:t>3.10 – Supports d’apprentissage</a:t>
             </a:r>
           </a:p>
         </p:txBody>
@@ -10988,14 +11062,14 @@
       </p:sp>
       <p:sp>
         <p:nvSpPr>
-          <p:cNvPr id="4" name="ZoneTexte 3"/>
+          <p:cNvPr id="5" name="ZoneTexte 4"/>
           <p:cNvSpPr txBox="1"/>
           <p:nvPr/>
         </p:nvSpPr>
         <p:spPr>
           <a:xfrm>
-            <a:off x="3331400" y="1796952"/>
-            <a:ext cx="3639138" cy="1754326"/>
+            <a:off x="2928133" y="2684111"/>
+            <a:ext cx="8577989" cy="1200329"/>
           </a:xfrm>
           <a:prstGeom prst="rect">
             <a:avLst/>
@@ -11010,45 +11084,30 @@
           <a:p>
             <a:r>
               <a:rPr lang="fr-FR" dirty="0"/>
-              <a:t>3.9.1 : Objectifs visés</a:t>
-            </a:r>
-          </a:p>
-          <a:p>
-            <a:r>
-              <a:rPr lang="fr-FR" dirty="0"/>
-              <a:t>3.9.2 : Mise en situation</a:t>
-            </a:r>
-          </a:p>
-          <a:p>
-            <a:r>
-              <a:rPr lang="fr-FR" dirty="0"/>
-              <a:t>3.9.3 : Déroulé de l’activité </a:t>
-            </a:r>
-          </a:p>
-          <a:p>
-            <a:r>
-              <a:rPr lang="fr-FR" dirty="0"/>
-              <a:t>3.9.4 : Rendu élève</a:t>
-            </a:r>
-          </a:p>
-          <a:p>
-            <a:r>
-              <a:rPr lang="fr-FR" dirty="0"/>
-              <a:t>3.9.5 : Ingénierie pédagogique</a:t>
-            </a:r>
-          </a:p>
-          <a:p>
-            <a:r>
-              <a:rPr lang="fr-FR" dirty="0"/>
-              <a:t>3.9.6 : Différenciations possibles</a:t>
-            </a:r>
+              <a:t>Attention au nombre de support dispo</a:t>
+            </a:r>
+          </a:p>
+          <a:p>
+            <a:r>
+              <a:rPr lang="fr-FR" dirty="0"/>
+              <a:t>(plusieurs supports peuvent conduire aux même apport de connaissance , </a:t>
+            </a:r>
+          </a:p>
+          <a:p>
+            <a:r>
+              <a:rPr lang="fr-FR" dirty="0"/>
+              <a:t>développement de compétences</a:t>
+            </a:r>
+          </a:p>
+          <a:p>
+            <a:endParaRPr lang="fr-FR" dirty="0"/>
           </a:p>
         </p:txBody>
       </p:sp>
     </p:spTree>
     <p:extLst>
       <p:ext uri="{BB962C8B-B14F-4D97-AF65-F5344CB8AC3E}">
-        <p14:creationId xmlns:p14="http://schemas.microsoft.com/office/powerpoint/2010/main" val="1214008063"/>
+        <p14:creationId xmlns:p14="http://schemas.microsoft.com/office/powerpoint/2010/main" val="970161856"/>
       </p:ext>
     </p:extLst>
   </p:cSld>
@@ -11087,19 +11146,17 @@
         </p:nvSpPr>
         <p:spPr>
           <a:xfrm>
-            <a:off x="2592924" y="624110"/>
-            <a:ext cx="9223095" cy="668096"/>
-          </a:xfrm>
-        </p:spPr>
-        <p:txBody>
-          <a:bodyPr>
-            <a:normAutofit/>
-          </a:bodyPr>
-          <a:lstStyle/>
-          <a:p>
-            <a:r>
-              <a:rPr lang="fr-FR" dirty="0"/>
-              <a:t>3.9.1 - Objectifs visés</a:t>
+            <a:off x="2514694" y="624110"/>
+            <a:ext cx="8911687" cy="1280890"/>
+          </a:xfrm>
+        </p:spPr>
+        <p:txBody>
+          <a:bodyPr/>
+          <a:lstStyle/>
+          <a:p>
+            <a:r>
+              <a:rPr lang="fr-FR" dirty="0"/>
+              <a:t>4 – Détail de la séance</a:t>
             </a:r>
           </a:p>
         </p:txBody>
@@ -11130,14 +11187,14 @@
       </p:sp>
       <p:sp>
         <p:nvSpPr>
-          <p:cNvPr id="6" name="ZoneTexte 5"/>
+          <p:cNvPr id="4" name="ZoneTexte 3"/>
           <p:cNvSpPr txBox="1"/>
           <p:nvPr/>
         </p:nvSpPr>
         <p:spPr>
           <a:xfrm>
-            <a:off x="3088153" y="1960211"/>
-            <a:ext cx="5522666" cy="1200329"/>
+            <a:off x="3331400" y="1796952"/>
+            <a:ext cx="3472425" cy="1754326"/>
           </a:xfrm>
           <a:prstGeom prst="rect">
             <a:avLst/>
@@ -11152,27 +11209,45 @@
           <a:p>
             <a:r>
               <a:rPr lang="fr-FR" dirty="0"/>
-              <a:t>Principales activité de la séance</a:t>
-            </a:r>
-          </a:p>
-          <a:p>
-            <a:endParaRPr lang="fr-FR" dirty="0"/>
-          </a:p>
-          <a:p>
-            <a:r>
-              <a:rPr lang="fr-FR" dirty="0"/>
-              <a:t>Compétences, savoir et savoir-faire à acquérir</a:t>
-            </a:r>
-          </a:p>
-          <a:p>
-            <a:endParaRPr lang="fr-FR" dirty="0"/>
+              <a:t>4.1 : Objectifs visés</a:t>
+            </a:r>
+          </a:p>
+          <a:p>
+            <a:r>
+              <a:rPr lang="fr-FR" dirty="0"/>
+              <a:t>4.2 : Mise en situation</a:t>
+            </a:r>
+          </a:p>
+          <a:p>
+            <a:r>
+              <a:rPr lang="fr-FR" dirty="0"/>
+              <a:t>4.3 : Déroulé de l’activité </a:t>
+            </a:r>
+          </a:p>
+          <a:p>
+            <a:r>
+              <a:rPr lang="fr-FR" dirty="0"/>
+              <a:t>4.4 : Rendu élève</a:t>
+            </a:r>
+          </a:p>
+          <a:p>
+            <a:r>
+              <a:rPr lang="fr-FR" dirty="0"/>
+              <a:t>4.5 : Ingénierie pédagogique</a:t>
+            </a:r>
+          </a:p>
+          <a:p>
+            <a:r>
+              <a:rPr lang="fr-FR" dirty="0"/>
+              <a:t>4.6 : Différenciations possibles</a:t>
+            </a:r>
           </a:p>
         </p:txBody>
       </p:sp>
     </p:spTree>
     <p:extLst>
       <p:ext uri="{BB962C8B-B14F-4D97-AF65-F5344CB8AC3E}">
-        <p14:creationId xmlns:p14="http://schemas.microsoft.com/office/powerpoint/2010/main" val="673099642"/>
+        <p14:creationId xmlns:p14="http://schemas.microsoft.com/office/powerpoint/2010/main" val="1214008063"/>
       </p:ext>
     </p:extLst>
   </p:cSld>
@@ -11223,7 +11298,7 @@
           <a:p>
             <a:r>
               <a:rPr lang="fr-FR" dirty="0"/>
-              <a:t>3.9.2 - Mise en situation</a:t>
+              <a:t>4.1 - Objectifs visés</a:t>
             </a:r>
           </a:p>
         </p:txBody>
@@ -11254,14 +11329,14 @@
       </p:sp>
       <p:sp>
         <p:nvSpPr>
-          <p:cNvPr id="4" name="ZoneTexte 3"/>
+          <p:cNvPr id="6" name="ZoneTexte 5"/>
           <p:cNvSpPr txBox="1"/>
           <p:nvPr/>
         </p:nvSpPr>
         <p:spPr>
           <a:xfrm>
-            <a:off x="2661068" y="2546083"/>
-            <a:ext cx="9121408" cy="1754326"/>
+            <a:off x="3088153" y="1960211"/>
+            <a:ext cx="5522666" cy="1200329"/>
           </a:xfrm>
           <a:prstGeom prst="rect">
             <a:avLst/>
@@ -11276,73 +11351,27 @@
           <a:p>
             <a:r>
               <a:rPr lang="fr-FR" dirty="0"/>
-              <a:t>Fiche séance : </a:t>
-            </a:r>
-          </a:p>
-          <a:p>
-            <a:pPr marL="285750" indent="-285750">
-              <a:buFont typeface="Arial" panose="020B0604020202020204" pitchFamily="34" charset="0"/>
-              <a:buChar char="•"/>
-            </a:pPr>
-            <a:r>
-              <a:rPr lang="fr-FR" dirty="0"/>
-              <a:t>Organisation (individuel, binôme, trinôme)</a:t>
-            </a:r>
-          </a:p>
-          <a:p>
-            <a:pPr marL="285750" indent="-285750">
-              <a:buFont typeface="Arial" panose="020B0604020202020204" pitchFamily="34" charset="0"/>
-              <a:buChar char="•"/>
-            </a:pPr>
-            <a:r>
-              <a:rPr lang="fr-FR" dirty="0"/>
-              <a:t>Matériels logiciels nécessaire (dire si ces matériels ont déjà été utilisés ou non)</a:t>
-            </a:r>
-          </a:p>
-          <a:p>
-            <a:pPr marL="285750" indent="-285750">
-              <a:buFont typeface="Arial" panose="020B0604020202020204" pitchFamily="34" charset="0"/>
-              <a:buChar char="•"/>
-            </a:pPr>
-            <a:r>
-              <a:rPr lang="fr-FR" dirty="0"/>
-              <a:t>Penser aux matériels alternatif pour les autres groupes</a:t>
-            </a:r>
-          </a:p>
-          <a:p>
-            <a:pPr marL="285750" indent="-285750">
-              <a:buFont typeface="Arial" panose="020B0604020202020204" pitchFamily="34" charset="0"/>
-              <a:buChar char="•"/>
-            </a:pPr>
-            <a:r>
-              <a:rPr lang="fr-FR" dirty="0"/>
-              <a:t>Déroulé (synthétique)</a:t>
-            </a:r>
-          </a:p>
-          <a:p>
-            <a:pPr marL="285750" indent="-285750">
-              <a:buFont typeface="Arial" panose="020B0604020202020204" pitchFamily="34" charset="0"/>
-              <a:buChar char="•"/>
-            </a:pPr>
-            <a:r>
-              <a:rPr lang="fr-FR" dirty="0"/>
-              <a:t>Evaluation formative (</a:t>
-            </a:r>
-            <a:r>
-              <a:rPr lang="fr-FR" dirty="0" err="1"/>
-              <a:t>Plickers</a:t>
-            </a:r>
-            <a:r>
-              <a:rPr lang="fr-FR" dirty="0"/>
-              <a:t> + réponse aux questions)</a:t>
-            </a:r>
+              <a:t>Principales activité de la séance</a:t>
+            </a:r>
+          </a:p>
+          <a:p>
+            <a:endParaRPr lang="fr-FR" dirty="0"/>
+          </a:p>
+          <a:p>
+            <a:r>
+              <a:rPr lang="fr-FR" dirty="0"/>
+              <a:t>Compétences, savoir et savoir-faire à acquérir</a:t>
+            </a:r>
+          </a:p>
+          <a:p>
+            <a:endParaRPr lang="fr-FR" dirty="0"/>
           </a:p>
         </p:txBody>
       </p:sp>
     </p:spTree>
     <p:extLst>
       <p:ext uri="{BB962C8B-B14F-4D97-AF65-F5344CB8AC3E}">
-        <p14:creationId xmlns:p14="http://schemas.microsoft.com/office/powerpoint/2010/main" val="1190763296"/>
+        <p14:creationId xmlns:p14="http://schemas.microsoft.com/office/powerpoint/2010/main" val="673099642"/>
       </p:ext>
     </p:extLst>
   </p:cSld>
@@ -11521,7 +11550,7 @@
           <a:p>
             <a:r>
               <a:rPr lang="fr-FR" dirty="0"/>
-              <a:t>3.9.3 - Déroulé de l’activité</a:t>
+              <a:t>4.2 - Mise en situation</a:t>
             </a:r>
           </a:p>
         </p:txBody>
@@ -11552,14 +11581,14 @@
       </p:sp>
       <p:sp>
         <p:nvSpPr>
-          <p:cNvPr id="6" name="ZoneTexte 5"/>
+          <p:cNvPr id="4" name="ZoneTexte 3"/>
           <p:cNvSpPr txBox="1"/>
           <p:nvPr/>
         </p:nvSpPr>
         <p:spPr>
           <a:xfrm>
-            <a:off x="3263367" y="2140900"/>
-            <a:ext cx="4706738" cy="1200329"/>
+            <a:off x="2661068" y="2546083"/>
+            <a:ext cx="9121408" cy="1754326"/>
           </a:xfrm>
           <a:prstGeom prst="rect">
             <a:avLst/>
@@ -11574,30 +11603,73 @@
           <a:p>
             <a:r>
               <a:rPr lang="fr-FR" dirty="0"/>
-              <a:t>Si binôme trinôme : activité plutôt en //</a:t>
-            </a:r>
-          </a:p>
-          <a:p>
-            <a:r>
-              <a:rPr lang="fr-FR" dirty="0"/>
-              <a:t>Activité « bonus »</a:t>
-            </a:r>
-          </a:p>
-          <a:p>
-            <a:r>
-              <a:rPr lang="fr-FR" dirty="0"/>
-              <a:t>Donner les grands chapitres de l’activité</a:t>
-            </a:r>
-          </a:p>
-          <a:p>
-            <a:endParaRPr lang="fr-FR" dirty="0"/>
+              <a:t>Fiche séance : </a:t>
+            </a:r>
+          </a:p>
+          <a:p>
+            <a:pPr marL="285750" indent="-285750">
+              <a:buFont typeface="Arial" panose="020B0604020202020204" pitchFamily="34" charset="0"/>
+              <a:buChar char="•"/>
+            </a:pPr>
+            <a:r>
+              <a:rPr lang="fr-FR" dirty="0"/>
+              <a:t>Organisation (individuel, binôme, trinôme)</a:t>
+            </a:r>
+          </a:p>
+          <a:p>
+            <a:pPr marL="285750" indent="-285750">
+              <a:buFont typeface="Arial" panose="020B0604020202020204" pitchFamily="34" charset="0"/>
+              <a:buChar char="•"/>
+            </a:pPr>
+            <a:r>
+              <a:rPr lang="fr-FR" dirty="0"/>
+              <a:t>Matériels logiciels nécessaire (dire si ces matériels ont déjà été utilisés ou non)</a:t>
+            </a:r>
+          </a:p>
+          <a:p>
+            <a:pPr marL="285750" indent="-285750">
+              <a:buFont typeface="Arial" panose="020B0604020202020204" pitchFamily="34" charset="0"/>
+              <a:buChar char="•"/>
+            </a:pPr>
+            <a:r>
+              <a:rPr lang="fr-FR" dirty="0"/>
+              <a:t>Penser aux matériels alternatif pour les autres groupes</a:t>
+            </a:r>
+          </a:p>
+          <a:p>
+            <a:pPr marL="285750" indent="-285750">
+              <a:buFont typeface="Arial" panose="020B0604020202020204" pitchFamily="34" charset="0"/>
+              <a:buChar char="•"/>
+            </a:pPr>
+            <a:r>
+              <a:rPr lang="fr-FR" dirty="0"/>
+              <a:t>Déroulé (synthétique)</a:t>
+            </a:r>
+          </a:p>
+          <a:p>
+            <a:pPr marL="285750" indent="-285750">
+              <a:buFont typeface="Arial" panose="020B0604020202020204" pitchFamily="34" charset="0"/>
+              <a:buChar char="•"/>
+            </a:pPr>
+            <a:r>
+              <a:rPr lang="fr-FR" dirty="0"/>
+              <a:t>Evaluation formative (</a:t>
+            </a:r>
+            <a:r>
+              <a:rPr lang="fr-FR" dirty="0" err="1"/>
+              <a:t>Plickers</a:t>
+            </a:r>
+            <a:r>
+              <a:rPr lang="fr-FR" dirty="0"/>
+              <a:t> + réponse aux questions)</a:t>
+            </a:r>
           </a:p>
         </p:txBody>
       </p:sp>
     </p:spTree>
     <p:extLst>
       <p:ext uri="{BB962C8B-B14F-4D97-AF65-F5344CB8AC3E}">
-        <p14:creationId xmlns:p14="http://schemas.microsoft.com/office/powerpoint/2010/main" val="3356884638"/>
+        <p14:creationId xmlns:p14="http://schemas.microsoft.com/office/powerpoint/2010/main" val="1190763296"/>
       </p:ext>
     </p:extLst>
   </p:cSld>
@@ -11648,7 +11720,7 @@
           <a:p>
             <a:r>
               <a:rPr lang="fr-FR" dirty="0"/>
-              <a:t>3.9.4 - Rendu élèves</a:t>
+              <a:t>4.3 - Déroulé de l’activité</a:t>
             </a:r>
           </a:p>
         </p:txBody>
@@ -11679,14 +11751,14 @@
       </p:sp>
       <p:sp>
         <p:nvSpPr>
-          <p:cNvPr id="4" name="ZoneTexte 3"/>
+          <p:cNvPr id="6" name="ZoneTexte 5"/>
           <p:cNvSpPr txBox="1"/>
           <p:nvPr/>
         </p:nvSpPr>
         <p:spPr>
           <a:xfrm>
-            <a:off x="3542616" y="2458477"/>
-            <a:ext cx="4944159" cy="1200329"/>
+            <a:off x="3263367" y="2140900"/>
+            <a:ext cx="4706738" cy="1200329"/>
           </a:xfrm>
           <a:prstGeom prst="rect">
             <a:avLst/>
@@ -11694,28 +11766,37 @@
           <a:noFill/>
         </p:spPr>
         <p:txBody>
-          <a:bodyPr wrap="square" rtlCol="0">
+          <a:bodyPr wrap="none" rtlCol="0">
             <a:spAutoFit/>
           </a:bodyPr>
           <a:lstStyle/>
           <a:p>
             <a:r>
               <a:rPr lang="fr-FR" dirty="0"/>
-              <a:t>CR oral de l’activité – de ce qu’il faut retenir pour eux?</a:t>
-            </a:r>
-          </a:p>
-          <a:p>
-            <a:r>
-              <a:rPr lang="fr-FR" dirty="0"/>
-              <a:t>(pyramide des apprentissages : on retient mieux lorsque l’on apprend aux autres)</a:t>
-            </a:r>
+              <a:t>Si binôme trinôme : activité plutôt en //</a:t>
+            </a:r>
+          </a:p>
+          <a:p>
+            <a:r>
+              <a:rPr lang="fr-FR" dirty="0"/>
+              <a:t>Activité « bonus »</a:t>
+            </a:r>
+          </a:p>
+          <a:p>
+            <a:r>
+              <a:rPr lang="fr-FR" dirty="0"/>
+              <a:t>Donner les grands chapitres de l’activité</a:t>
+            </a:r>
+          </a:p>
+          <a:p>
+            <a:endParaRPr lang="fr-FR" dirty="0"/>
           </a:p>
         </p:txBody>
       </p:sp>
     </p:spTree>
     <p:extLst>
       <p:ext uri="{BB962C8B-B14F-4D97-AF65-F5344CB8AC3E}">
-        <p14:creationId xmlns:p14="http://schemas.microsoft.com/office/powerpoint/2010/main" val="1379571086"/>
+        <p14:creationId xmlns:p14="http://schemas.microsoft.com/office/powerpoint/2010/main" val="3356884638"/>
       </p:ext>
     </p:extLst>
   </p:cSld>
@@ -11766,7 +11847,7 @@
           <a:p>
             <a:r>
               <a:rPr lang="fr-FR" dirty="0"/>
-              <a:t>3.9.5 - Ingénierie pédagogique</a:t>
+              <a:t>4.4 - Rendu élèves</a:t>
             </a:r>
           </a:p>
         </p:txBody>
@@ -11795,10 +11876,45 @@
           </a:p>
         </p:txBody>
       </p:sp>
+      <p:sp>
+        <p:nvSpPr>
+          <p:cNvPr id="4" name="ZoneTexte 3"/>
+          <p:cNvSpPr txBox="1"/>
+          <p:nvPr/>
+        </p:nvSpPr>
+        <p:spPr>
+          <a:xfrm>
+            <a:off x="3542616" y="2458477"/>
+            <a:ext cx="4944159" cy="1200329"/>
+          </a:xfrm>
+          <a:prstGeom prst="rect">
+            <a:avLst/>
+          </a:prstGeom>
+          <a:noFill/>
+        </p:spPr>
+        <p:txBody>
+          <a:bodyPr wrap="square" rtlCol="0">
+            <a:spAutoFit/>
+          </a:bodyPr>
+          <a:lstStyle/>
+          <a:p>
+            <a:r>
+              <a:rPr lang="fr-FR" dirty="0"/>
+              <a:t>CR oral de l’activité – de ce qu’il faut retenir pour eux?</a:t>
+            </a:r>
+          </a:p>
+          <a:p>
+            <a:r>
+              <a:rPr lang="fr-FR" dirty="0"/>
+              <a:t>(pyramide des apprentissages : on retient mieux lorsque l’on apprend aux autres)</a:t>
+            </a:r>
+          </a:p>
+        </p:txBody>
+      </p:sp>
     </p:spTree>
     <p:extLst>
       <p:ext uri="{BB962C8B-B14F-4D97-AF65-F5344CB8AC3E}">
-        <p14:creationId xmlns:p14="http://schemas.microsoft.com/office/powerpoint/2010/main" val="3528735941"/>
+        <p14:creationId xmlns:p14="http://schemas.microsoft.com/office/powerpoint/2010/main" val="1379571086"/>
       </p:ext>
     </p:extLst>
   </p:cSld>
@@ -11849,7 +11965,7 @@
           <a:p>
             <a:r>
               <a:rPr lang="fr-FR" dirty="0"/>
-              <a:t>3.9.6 - Différenciations possibles</a:t>
+              <a:t>4.5 - Ingénierie pédagogique</a:t>
             </a:r>
           </a:p>
         </p:txBody>
@@ -11878,57 +11994,10 @@
           </a:p>
         </p:txBody>
       </p:sp>
-      <p:sp>
-        <p:nvSpPr>
-          <p:cNvPr id="4" name="ZoneTexte 3"/>
-          <p:cNvSpPr txBox="1"/>
-          <p:nvPr/>
-        </p:nvSpPr>
-        <p:spPr>
-          <a:xfrm>
-            <a:off x="3564518" y="2453001"/>
-            <a:ext cx="1606530" cy="1200329"/>
-          </a:xfrm>
-          <a:prstGeom prst="rect">
-            <a:avLst/>
-          </a:prstGeom>
-          <a:noFill/>
-        </p:spPr>
-        <p:txBody>
-          <a:bodyPr wrap="none" rtlCol="0">
-            <a:spAutoFit/>
-          </a:bodyPr>
-          <a:lstStyle/>
-          <a:p>
-            <a:r>
-              <a:rPr lang="fr-FR" dirty="0"/>
-              <a:t>Contenu</a:t>
-            </a:r>
-          </a:p>
-          <a:p>
-            <a:r>
-              <a:rPr lang="fr-FR" dirty="0"/>
-              <a:t>Rendu élève</a:t>
-            </a:r>
-          </a:p>
-          <a:p>
-            <a:r>
-              <a:rPr lang="fr-FR" dirty="0"/>
-              <a:t>Processus</a:t>
-            </a:r>
-          </a:p>
-          <a:p>
-            <a:r>
-              <a:rPr lang="fr-FR" dirty="0"/>
-              <a:t>Temps</a:t>
-            </a:r>
-          </a:p>
-        </p:txBody>
-      </p:sp>
     </p:spTree>
     <p:extLst>
       <p:ext uri="{BB962C8B-B14F-4D97-AF65-F5344CB8AC3E}">
-        <p14:creationId xmlns:p14="http://schemas.microsoft.com/office/powerpoint/2010/main" val="2384591684"/>
+        <p14:creationId xmlns:p14="http://schemas.microsoft.com/office/powerpoint/2010/main" val="3528735941"/>
       </p:ext>
     </p:extLst>
   </p:cSld>
@@ -11979,13 +12048,8 @@
           <a:p>
             <a:r>
               <a:rPr lang="fr-FR" dirty="0"/>
-              <a:t>3.10 - </a:t>
-            </a:r>
-            <a:r>
-              <a:rPr lang="fr-FR" dirty="0" err="1"/>
-              <a:t>Remédiation</a:t>
-            </a:r>
-            <a:endParaRPr lang="fr-FR" dirty="0"/>
+              <a:t>4.6 - Différenciations possibles</a:t>
+            </a:r>
           </a:p>
         </p:txBody>
       </p:sp>
@@ -12015,14 +12079,14 @@
       </p:sp>
       <p:sp>
         <p:nvSpPr>
-          <p:cNvPr id="5" name="ZoneTexte 4"/>
+          <p:cNvPr id="4" name="ZoneTexte 3"/>
           <p:cNvSpPr txBox="1"/>
           <p:nvPr/>
         </p:nvSpPr>
         <p:spPr>
           <a:xfrm>
-            <a:off x="3088153" y="1960211"/>
-            <a:ext cx="8730275" cy="2308324"/>
+            <a:off x="3564518" y="2453001"/>
+            <a:ext cx="1606530" cy="1200329"/>
           </a:xfrm>
           <a:prstGeom prst="rect">
             <a:avLst/>
@@ -12037,91 +12101,33 @@
           <a:p>
             <a:r>
               <a:rPr lang="fr-FR" dirty="0"/>
-              <a:t>Plus faibles : Activités complémentaire avec aide enseignant</a:t>
-            </a:r>
-          </a:p>
-          <a:p>
-            <a:r>
-              <a:rPr lang="fr-FR" dirty="0"/>
-              <a:t>Plus forts : Travail en autonomie (carte heuristique, préparer un quizz </a:t>
-            </a:r>
-            <a:r>
-              <a:rPr lang="fr-FR" dirty="0" err="1"/>
-              <a:t>plickers</a:t>
-            </a:r>
-            <a:r>
-              <a:rPr lang="fr-FR" dirty="0"/>
-              <a:t>)</a:t>
-            </a:r>
-          </a:p>
-          <a:p>
-            <a:endParaRPr lang="fr-FR" dirty="0"/>
-          </a:p>
-          <a:p>
-            <a:r>
-              <a:rPr lang="fr-FR" u="sng" dirty="0"/>
-              <a:t>Exemple de </a:t>
-            </a:r>
-            <a:r>
-              <a:rPr lang="fr-FR" u="sng" dirty="0" err="1"/>
-              <a:t>remédiation</a:t>
-            </a:r>
-            <a:r>
-              <a:rPr lang="fr-FR" u="sng" dirty="0"/>
-              <a:t> possible</a:t>
-            </a:r>
-          </a:p>
-          <a:p>
-            <a:pPr lvl="1">
-              <a:buFont typeface="Arial" pitchFamily="34" charset="0"/>
-              <a:buChar char="•"/>
-            </a:pPr>
-            <a:r>
-              <a:rPr lang="fr-FR" dirty="0"/>
-              <a:t>Rappels des points importants de la séquence</a:t>
-            </a:r>
-          </a:p>
-          <a:p>
-            <a:pPr lvl="1">
-              <a:buFont typeface="Arial" pitchFamily="34" charset="0"/>
-              <a:buChar char="•"/>
-            </a:pPr>
-            <a:r>
-              <a:rPr lang="fr-FR" dirty="0"/>
-              <a:t>Etablissement d’une fiche de synthèse par élèves. </a:t>
-            </a:r>
-          </a:p>
-          <a:p>
-            <a:pPr lvl="1">
-              <a:buFont typeface="Arial" pitchFamily="34" charset="0"/>
-              <a:buChar char="•"/>
-            </a:pPr>
-            <a:r>
-              <a:rPr lang="fr-FR" dirty="0"/>
-              <a:t>Brassage des fiches et distribution à l’ensemble de la classe</a:t>
-            </a:r>
-          </a:p>
-          <a:p>
-            <a:pPr lvl="1">
-              <a:buFont typeface="Arial" pitchFamily="34" charset="0"/>
-              <a:buChar char="•"/>
-            </a:pPr>
-            <a:r>
-              <a:rPr lang="fr-FR" dirty="0"/>
-              <a:t>QCM </a:t>
-            </a:r>
-            <a:r>
-              <a:rPr lang="fr-FR" dirty="0" err="1"/>
-              <a:t>Plickers</a:t>
-            </a:r>
-            <a:endParaRPr lang="fr-FR" dirty="0"/>
+              <a:t>Contenu</a:t>
+            </a:r>
+          </a:p>
+          <a:p>
+            <a:r>
+              <a:rPr lang="fr-FR" dirty="0"/>
+              <a:t>Rendu élève</a:t>
+            </a:r>
+          </a:p>
+          <a:p>
+            <a:r>
+              <a:rPr lang="fr-FR" dirty="0"/>
+              <a:t>Processus</a:t>
+            </a:r>
+          </a:p>
+          <a:p>
+            <a:r>
+              <a:rPr lang="fr-FR" dirty="0"/>
+              <a:t>Temps</a:t>
+            </a:r>
           </a:p>
         </p:txBody>
       </p:sp>
     </p:spTree>
     <p:extLst>
       <p:ext uri="{BB962C8B-B14F-4D97-AF65-F5344CB8AC3E}">
-        <p14:creationId xmlns:p14="http://schemas.microsoft.com/office/powerpoint/2010/main" val="873783962"/>
+        <p14:creationId xmlns:p14="http://schemas.microsoft.com/office/powerpoint/2010/main" val="2384591684"/>
       </p:ext>
     </p:extLst>
   </p:cSld>
@@ -12172,7 +12178,7 @@
           <a:p>
             <a:r>
               <a:rPr lang="fr-FR" dirty="0"/>
-              <a:t>5 – Conclusion</a:t>
+              <a:t>4 – Conclusion</a:t>
             </a:r>
           </a:p>
         </p:txBody>
@@ -13195,7 +13201,7 @@
           <a:p>
             <a:r>
               <a:rPr lang="fr-FR" dirty="0"/>
-              <a:t>3 – Construction de la séquence</a:t>
+              <a:t>3 – Proposition de séquence</a:t>
             </a:r>
           </a:p>
         </p:txBody>
@@ -13233,7 +13239,7 @@
         <p:spPr>
           <a:xfrm>
             <a:off x="2779494" y="1794775"/>
-            <a:ext cx="7883890" cy="2862322"/>
+            <a:ext cx="7890302" cy="2862322"/>
           </a:xfrm>
           <a:prstGeom prst="rect">
             <a:avLst/>
@@ -13254,61 +13260,56 @@
           <a:p>
             <a:r>
               <a:rPr lang="fr-FR" dirty="0"/>
-              <a:t>3.2 : Compétences et connaissances du programme à faire acquérir</a:t>
-            </a:r>
-          </a:p>
-          <a:p>
-            <a:r>
-              <a:rPr lang="fr-FR" dirty="0"/>
-              <a:t>3.3 : Pré requis nécessaires</a:t>
-            </a:r>
-          </a:p>
-          <a:p>
-            <a:r>
-              <a:rPr lang="fr-FR" dirty="0"/>
-              <a:t>3.4 : Planification dans l’année</a:t>
-            </a:r>
-          </a:p>
-          <a:p>
-            <a:r>
-              <a:rPr lang="fr-FR" dirty="0"/>
-              <a:t>3.5 : Synthèse - Structuration des connaissances</a:t>
-            </a:r>
-          </a:p>
-          <a:p>
-            <a:r>
-              <a:rPr lang="fr-FR" dirty="0"/>
-              <a:t>3.6 : Evaluation</a:t>
-            </a:r>
-          </a:p>
-          <a:p>
-            <a:r>
-              <a:rPr lang="fr-FR" dirty="0"/>
-              <a:t>3.7 : Séquence </a:t>
-            </a:r>
-          </a:p>
-          <a:p>
-            <a:r>
-              <a:rPr lang="fr-FR" dirty="0"/>
-              <a:t>3.8 : Définition des supports d’apprentissage </a:t>
-            </a:r>
-          </a:p>
-          <a:p>
-            <a:r>
-              <a:rPr lang="fr-FR" dirty="0"/>
-              <a:t>3.9 : Séance</a:t>
-            </a:r>
-          </a:p>
-          <a:p>
-            <a:r>
-              <a:rPr lang="fr-FR" dirty="0"/>
-              <a:t>3.10 : </a:t>
-            </a:r>
-            <a:r>
-              <a:rPr lang="fr-FR" dirty="0" err="1"/>
-              <a:t>Remédiation</a:t>
-            </a:r>
-            <a:endParaRPr lang="fr-FR" dirty="0"/>
+              <a:t>3.2 : Stratégie pédagogique</a:t>
+            </a:r>
+          </a:p>
+          <a:p>
+            <a:r>
+              <a:rPr lang="fr-FR" dirty="0"/>
+              <a:t>3.3 : Compétences et connaissances du programme à faire acquérir</a:t>
+            </a:r>
+          </a:p>
+          <a:p>
+            <a:r>
+              <a:rPr lang="fr-FR" dirty="0"/>
+              <a:t>3.4 : Pré requis nécessaires</a:t>
+            </a:r>
+          </a:p>
+          <a:p>
+            <a:r>
+              <a:rPr lang="fr-FR" dirty="0"/>
+              <a:t>3.5 : Planification dans l’année</a:t>
+            </a:r>
+          </a:p>
+          <a:p>
+            <a:r>
+              <a:rPr lang="fr-FR" dirty="0"/>
+              <a:t>3.6 : Synthèse - Structuration des connaissances</a:t>
+            </a:r>
+          </a:p>
+          <a:p>
+            <a:r>
+              <a:rPr lang="fr-FR" dirty="0"/>
+              <a:t>3.7 : Evaluation</a:t>
+            </a:r>
+          </a:p>
+          <a:p>
+            <a:r>
+              <a:rPr lang="fr-FR" dirty="0"/>
+              <a:t>3.8 : Remédiation</a:t>
+            </a:r>
+          </a:p>
+          <a:p>
+            <a:r>
+              <a:rPr lang="fr-FR" dirty="0"/>
+              <a:t>3.9 : Organisation de la séquence </a:t>
+            </a:r>
+          </a:p>
+          <a:p>
+            <a:r>
+              <a:rPr lang="fr-FR" dirty="0"/>
+              <a:t>3.10 : Définition des supports d’apprentissage </a:t>
+            </a:r>
           </a:p>
         </p:txBody>
       </p:sp>
@@ -13588,14 +13589,12 @@
           </a:xfrm>
         </p:spPr>
         <p:txBody>
-          <a:bodyPr>
-            <a:normAutofit fontScale="90000"/>
-          </a:bodyPr>
-          <a:lstStyle/>
-          <a:p>
-            <a:r>
-              <a:rPr lang="fr-FR" dirty="0"/>
-              <a:t>3.2 – Compétences et connaissances à faire acquérir</a:t>
+          <a:bodyPr/>
+          <a:lstStyle/>
+          <a:p>
+            <a:r>
+              <a:rPr lang="fr-FR" dirty="0"/>
+              <a:t>3.2 – Stratégie pédagogique</a:t>
             </a:r>
           </a:p>
         </p:txBody>
@@ -13632,8 +13631,8 @@
         </p:nvSpPr>
         <p:spPr>
           <a:xfrm>
-            <a:off x="3006569" y="2384949"/>
-            <a:ext cx="4871847" cy="646331"/>
+            <a:off x="2969408" y="1292206"/>
+            <a:ext cx="6419641" cy="1477328"/>
           </a:xfrm>
           <a:prstGeom prst="rect">
             <a:avLst/>
@@ -13641,28 +13640,54 @@
           <a:noFill/>
         </p:spPr>
         <p:txBody>
-          <a:bodyPr wrap="none" rtlCol="0">
+          <a:bodyPr wrap="square" rtlCol="0">
             <a:spAutoFit/>
           </a:bodyPr>
           <a:lstStyle/>
           <a:p>
             <a:r>
               <a:rPr lang="fr-FR" dirty="0"/>
-              <a:t>Compétences (principales et secondaire)</a:t>
-            </a:r>
-          </a:p>
-          <a:p>
-            <a:r>
-              <a:rPr lang="fr-FR" dirty="0"/>
-              <a:t>Taxonomie éventuellement</a:t>
-            </a:r>
-          </a:p>
-        </p:txBody>
-      </p:sp>
+              <a:t>Une stratégie pédagogique est un ensemble de méthodes et de démarches, qui vont déterminer des choix de techniques, de matériels et de situations pédagogiques, par rapport à l'objet, au but de l'apprentissage.  Jean-Claude </a:t>
+            </a:r>
+            <a:r>
+              <a:rPr lang="fr-FR" dirty="0" err="1"/>
+              <a:t>Maurin</a:t>
+            </a:r>
+            <a:r>
+              <a:rPr lang="fr-FR" dirty="0"/>
+              <a:t>. 2000 </a:t>
+            </a:r>
+          </a:p>
+        </p:txBody>
+      </p:sp>
+      <p:pic>
+        <p:nvPicPr>
+          <p:cNvPr id="4" name="Image 3"/>
+          <p:cNvPicPr>
+            <a:picLocks noChangeAspect="1"/>
+          </p:cNvPicPr>
+          <p:nvPr/>
+        </p:nvPicPr>
+        <p:blipFill>
+          <a:blip r:embed="rId2"/>
+          <a:stretch>
+            <a:fillRect/>
+          </a:stretch>
+        </p:blipFill>
+        <p:spPr>
+          <a:xfrm>
+            <a:off x="3030845" y="2769534"/>
+            <a:ext cx="5264460" cy="4016714"/>
+          </a:xfrm>
+          <a:prstGeom prst="rect">
+            <a:avLst/>
+          </a:prstGeom>
+        </p:spPr>
+      </p:pic>
     </p:spTree>
     <p:extLst>
       <p:ext uri="{BB962C8B-B14F-4D97-AF65-F5344CB8AC3E}">
-        <p14:creationId xmlns:p14="http://schemas.microsoft.com/office/powerpoint/2010/main" val="4118914796"/>
+        <p14:creationId xmlns:p14="http://schemas.microsoft.com/office/powerpoint/2010/main" val="1626070407"/>
       </p:ext>
     </p:extLst>
   </p:cSld>
@@ -13706,12 +13731,14 @@
           </a:xfrm>
         </p:spPr>
         <p:txBody>
-          <a:bodyPr/>
-          <a:lstStyle/>
-          <a:p>
-            <a:r>
-              <a:rPr lang="fr-FR" dirty="0"/>
-              <a:t>3.3 – Stratégie pédagogique</a:t>
+          <a:bodyPr>
+            <a:normAutofit fontScale="90000"/>
+          </a:bodyPr>
+          <a:lstStyle/>
+          <a:p>
+            <a:r>
+              <a:rPr lang="fr-FR" dirty="0"/>
+              <a:t>3.3 – Compétences et connaissances à faire acquérir</a:t>
             </a:r>
           </a:p>
         </p:txBody>
@@ -13748,8 +13775,8 @@
         </p:nvSpPr>
         <p:spPr>
           <a:xfrm>
-            <a:off x="2969408" y="1292206"/>
-            <a:ext cx="6419641" cy="1477328"/>
+            <a:off x="3006569" y="2384949"/>
+            <a:ext cx="4871847" cy="646331"/>
           </a:xfrm>
           <a:prstGeom prst="rect">
             <a:avLst/>
@@ -13757,54 +13784,28 @@
           <a:noFill/>
         </p:spPr>
         <p:txBody>
-          <a:bodyPr wrap="square" rtlCol="0">
+          <a:bodyPr wrap="none" rtlCol="0">
             <a:spAutoFit/>
           </a:bodyPr>
           <a:lstStyle/>
           <a:p>
             <a:r>
               <a:rPr lang="fr-FR" dirty="0"/>
-              <a:t>Une stratégie pédagogique est un ensemble de méthodes et de démarches, qui vont déterminer des choix de techniques, de matériels et de situations pédagogiques, par rapport à l'objet, au but de l'apprentissage.  Jean-Claude </a:t>
-            </a:r>
-            <a:r>
-              <a:rPr lang="fr-FR" dirty="0" err="1"/>
-              <a:t>Maurin</a:t>
-            </a:r>
-            <a:r>
-              <a:rPr lang="fr-FR" dirty="0"/>
-              <a:t>. 2000 </a:t>
-            </a:r>
-          </a:p>
-        </p:txBody>
-      </p:sp>
-      <p:pic>
-        <p:nvPicPr>
-          <p:cNvPr id="4" name="Image 3"/>
-          <p:cNvPicPr>
-            <a:picLocks noChangeAspect="1"/>
-          </p:cNvPicPr>
-          <p:nvPr/>
-        </p:nvPicPr>
-        <p:blipFill>
-          <a:blip r:embed="rId2"/>
-          <a:stretch>
-            <a:fillRect/>
-          </a:stretch>
-        </p:blipFill>
-        <p:spPr>
-          <a:xfrm>
-            <a:off x="3030845" y="2769534"/>
-            <a:ext cx="5264460" cy="4016714"/>
-          </a:xfrm>
-          <a:prstGeom prst="rect">
-            <a:avLst/>
-          </a:prstGeom>
-        </p:spPr>
-      </p:pic>
+              <a:t>Compétences (principales et secondaire)</a:t>
+            </a:r>
+          </a:p>
+          <a:p>
+            <a:r>
+              <a:rPr lang="fr-FR" dirty="0"/>
+              <a:t>Taxonomie éventuellement</a:t>
+            </a:r>
+          </a:p>
+        </p:txBody>
+      </p:sp>
     </p:spTree>
     <p:extLst>
       <p:ext uri="{BB962C8B-B14F-4D97-AF65-F5344CB8AC3E}">
-        <p14:creationId xmlns:p14="http://schemas.microsoft.com/office/powerpoint/2010/main" val="1626070407"/>
+        <p14:creationId xmlns:p14="http://schemas.microsoft.com/office/powerpoint/2010/main" val="4118914796"/>
       </p:ext>
     </p:extLst>
   </p:cSld>
@@ -13853,7 +13854,7 @@
           <a:p>
             <a:r>
               <a:rPr lang="fr-FR" dirty="0"/>
-              <a:t>3.3 – Pré requis nécessaires</a:t>
+              <a:t>3.4 – Pré requis nécessaires</a:t>
             </a:r>
           </a:p>
         </p:txBody>
